--- a/Other/poster_ransomware_120x90_landscape_2018s.pptx
+++ b/Other/poster_ransomware_120x90_landscape_2018s.pptx
@@ -197,7 +197,7 @@
           <a:p>
             <a:fld id="{DC229957-D56D-469F-B3C8-C31672200E99}" type="datetimeFigureOut">
               <a:rPr lang="en-US" smtClean="0"/>
-              <a:t>6/17/2018</a:t>
+              <a:t>6/21/2018</a:t>
             </a:fld>
             <a:endParaRPr lang="en-US"/>
           </a:p>
@@ -2798,7 +2798,7 @@
         </p:blipFill>
         <p:spPr>
           <a:xfrm>
-            <a:off x="39290021" y="1460629"/>
+            <a:off x="39290021" y="-43707"/>
             <a:ext cx="3316514" cy="3571446"/>
           </a:xfrm>
           <a:prstGeom prst="rect">
@@ -2817,7 +2817,7 @@
         </p:nvSpPr>
         <p:spPr>
           <a:xfrm>
-            <a:off x="5527161" y="1895527"/>
+            <a:off x="5527161" y="391191"/>
             <a:ext cx="32715922" cy="3405725"/>
           </a:xfrm>
           <a:prstGeom prst="roundRect">
@@ -2928,12 +2928,12 @@
         </p:nvSpPr>
         <p:spPr>
           <a:xfrm>
-            <a:off x="866631" y="8159206"/>
-            <a:ext cx="19202642" cy="8282380"/>
+            <a:off x="512098" y="6317800"/>
+            <a:ext cx="20174118" cy="8153710"/>
           </a:xfrm>
           <a:prstGeom prst="roundRect">
             <a:avLst>
-              <a:gd name="adj" fmla="val 16667"/>
+              <a:gd name="adj" fmla="val 4367"/>
             </a:avLst>
           </a:prstGeom>
           <a:solidFill>
@@ -2945,6 +2945,15 @@
             </a:solidFill>
             <a:miter/>
           </a:ln>
+          <a:effectLst>
+            <a:glow rad="228600">
+              <a:schemeClr val="accent2">
+                <a:satMod val="175000"/>
+                <a:alpha val="40000"/>
+              </a:schemeClr>
+            </a:glow>
+            <a:softEdge rad="31750"/>
+          </a:effectLst>
         </p:spPr>
         <p:style>
           <a:lnRef idx="0">
@@ -3003,7 +3012,7 @@
                 <a:spcPct val="100000"/>
               </a:lnSpc>
             </a:pPr>
-            <a:endParaRPr lang="en-US" sz="5400" b="1" spc="-1" dirty="0">
+            <a:endParaRPr lang="en-US" sz="6000" b="1" spc="-1" dirty="0">
               <a:solidFill>
                 <a:srgbClr val="C00000"/>
               </a:solidFill>
@@ -3016,13 +3025,23 @@
             </a:endParaRPr>
           </a:p>
           <a:p>
-            <a:pPr rtl="1">
-              <a:lnSpc>
-                <a:spcPct val="100000"/>
-              </a:lnSpc>
-            </a:pPr>
+            <a:pPr rtl="1"/>
+            <a:endParaRPr lang="en-US" sz="6000" b="1" spc="-1" dirty="0">
+              <a:solidFill>
+                <a:srgbClr val="C00000"/>
+              </a:solidFill>
+              <a:uFill>
+                <a:solidFill>
+                  <a:srgbClr val="FFFFFF"/>
+                </a:solidFill>
+              </a:uFill>
+              <a:latin typeface="Calibri"/>
+            </a:endParaRPr>
+          </a:p>
+          <a:p>
+            <a:pPr rtl="1"/>
             <a:r>
-              <a:rPr lang="en-US" sz="5400" b="1" spc="-1" dirty="0">
+              <a:rPr lang="en-US" sz="6000" b="1" spc="-1" dirty="0">
                 <a:solidFill>
                   <a:srgbClr val="C00000"/>
                 </a:solidFill>
@@ -3036,7 +3055,7 @@
               <a:t>FSD protects your PC against ransomware and guaranties zero file loss even in case of successful Ransomware attack.</a:t>
             </a:r>
             <a:br>
-              <a:rPr lang="en-US" sz="5400" b="1" spc="-1" dirty="0">
+              <a:rPr lang="en-US" sz="6000" b="1" spc="-1" dirty="0">
                 <a:solidFill>
                   <a:srgbClr val="C00000"/>
                 </a:solidFill>
@@ -3049,7 +3068,7 @@
               </a:rPr>
             </a:br>
             <a:br>
-              <a:rPr lang="en-US" sz="5400" b="1" spc="-1" dirty="0">
+              <a:rPr lang="en-US" sz="6000" b="1" spc="-1" dirty="0">
                 <a:solidFill>
                   <a:srgbClr val="C00000"/>
                 </a:solidFill>
@@ -3062,7 +3081,46 @@
               </a:rPr>
             </a:br>
             <a:r>
-              <a:rPr lang="en-US" sz="5400" b="1" spc="-1" dirty="0">
+              <a:rPr lang="en-US" sz="6000" b="1" spc="-1" dirty="0">
+                <a:solidFill>
+                  <a:srgbClr val="C00000"/>
+                </a:solidFill>
+                <a:uFill>
+                  <a:solidFill>
+                    <a:srgbClr val="FFFFFF"/>
+                  </a:solidFill>
+                </a:uFill>
+                <a:latin typeface="Calibri"/>
+              </a:rPr>
+              <a:t>We protect your private files and backup them to Azure Cloud Storage.</a:t>
+            </a:r>
+          </a:p>
+          <a:p>
+            <a:pPr rtl="1">
+              <a:lnSpc>
+                <a:spcPct val="100000"/>
+              </a:lnSpc>
+            </a:pPr>
+            <a:endParaRPr lang="en-US" sz="6000" b="1" spc="-1" dirty="0">
+              <a:solidFill>
+                <a:srgbClr val="C00000"/>
+              </a:solidFill>
+              <a:uFill>
+                <a:solidFill>
+                  <a:srgbClr val="FFFFFF"/>
+                </a:solidFill>
+              </a:uFill>
+              <a:latin typeface="Calibri"/>
+            </a:endParaRPr>
+          </a:p>
+          <a:p>
+            <a:pPr rtl="1">
+              <a:lnSpc>
+                <a:spcPct val="100000"/>
+              </a:lnSpc>
+            </a:pPr>
+            <a:r>
+              <a:rPr lang="en-US" sz="6000" b="1" spc="-1" dirty="0">
                 <a:solidFill>
                   <a:srgbClr val="C00000"/>
                 </a:solidFill>
@@ -3100,20 +3158,17 @@
                 <a:spcPct val="100000"/>
               </a:lnSpc>
             </a:pPr>
-            <a:r>
-              <a:rPr lang="en-US" sz="5400" b="1" spc="-1" dirty="0">
-                <a:solidFill>
-                  <a:srgbClr val="C00000"/>
-                </a:solidFill>
-                <a:uFill>
-                  <a:solidFill>
-                    <a:srgbClr val="FFFFFF"/>
-                  </a:solidFill>
-                </a:uFill>
-                <a:latin typeface="Calibri"/>
-              </a:rPr>
-              <a:t>We protect your private files and backup them to Azure Cloud Storage.</a:t>
-            </a:r>
+            <a:endParaRPr lang="en-US" sz="6000" b="1" spc="-1" dirty="0">
+              <a:solidFill>
+                <a:srgbClr val="C00000"/>
+              </a:solidFill>
+              <a:uFill>
+                <a:solidFill>
+                  <a:srgbClr val="FFFFFF"/>
+                </a:solidFill>
+              </a:uFill>
+              <a:latin typeface="Calibri"/>
+            </a:endParaRPr>
           </a:p>
           <a:p>
             <a:pPr rtl="1">
@@ -3139,24 +3194,6 @@
                 <a:spcPct val="100000"/>
               </a:lnSpc>
             </a:pPr>
-            <a:endParaRPr lang="en-US" sz="6000" b="1" spc="-1" dirty="0">
-              <a:solidFill>
-                <a:srgbClr val="C00000"/>
-              </a:solidFill>
-              <a:uFill>
-                <a:solidFill>
-                  <a:srgbClr val="FFFFFF"/>
-                </a:solidFill>
-              </a:uFill>
-              <a:latin typeface="Calibri"/>
-            </a:endParaRPr>
-          </a:p>
-          <a:p>
-            <a:pPr rtl="1">
-              <a:lnSpc>
-                <a:spcPct val="100000"/>
-              </a:lnSpc>
-            </a:pPr>
             <a:r>
               <a:rPr lang="en-US" sz="6000" b="1" spc="-1" dirty="0">
                 <a:solidFill>
@@ -3171,61 +3208,6 @@
               </a:rPr>
               <a:t>    </a:t>
             </a:r>
-          </a:p>
-        </p:txBody>
-      </p:sp>
-      <p:sp>
-        <p:nvSpPr>
-          <p:cNvPr id="43" name="CustomShape 4"/>
-          <p:cNvSpPr/>
-          <p:nvPr/>
-        </p:nvSpPr>
-        <p:spPr>
-          <a:xfrm>
-            <a:off x="890377" y="16840395"/>
-            <a:ext cx="19270297" cy="11530788"/>
-          </a:xfrm>
-          <a:prstGeom prst="roundRect">
-            <a:avLst>
-              <a:gd name="adj" fmla="val 16667"/>
-            </a:avLst>
-          </a:prstGeom>
-          <a:ln/>
-        </p:spPr>
-        <p:style>
-          <a:lnRef idx="2">
-            <a:schemeClr val="dk1"/>
-          </a:lnRef>
-          <a:fillRef idx="1">
-            <a:schemeClr val="lt1"/>
-          </a:fillRef>
-          <a:effectRef idx="0">
-            <a:schemeClr val="dk1"/>
-          </a:effectRef>
-          <a:fontRef idx="minor">
-            <a:schemeClr val="dk1"/>
-          </a:fontRef>
-        </p:style>
-        <p:txBody>
-          <a:bodyPr anchor="ctr"/>
-          <a:lstStyle/>
-          <a:p>
-            <a:pPr algn="ctr">
-              <a:lnSpc>
-                <a:spcPct val="100000"/>
-              </a:lnSpc>
-            </a:pPr>
-            <a:endParaRPr lang="en-US" sz="1512" spc="-1" dirty="0">
-              <a:solidFill>
-                <a:srgbClr val="000000"/>
-              </a:solidFill>
-              <a:uFill>
-                <a:solidFill>
-                  <a:srgbClr val="FFFFFF"/>
-                </a:solidFill>
-              </a:uFill>
-              <a:latin typeface="Arial"/>
-            </a:endParaRPr>
           </a:p>
         </p:txBody>
       </p:sp>
@@ -3237,7 +3219,7 @@
         </p:nvSpPr>
         <p:spPr>
           <a:xfrm>
-            <a:off x="5527161" y="5880214"/>
+            <a:off x="5527161" y="4375878"/>
             <a:ext cx="15159055" cy="1332715"/>
           </a:xfrm>
           <a:prstGeom prst="roundRect">
@@ -3362,7 +3344,7 @@
         </p:blipFill>
         <p:spPr>
           <a:xfrm>
-            <a:off x="86416" y="27530393"/>
+            <a:off x="7445015" y="28178647"/>
             <a:ext cx="4536734" cy="3543322"/>
           </a:xfrm>
           <a:prstGeom prst="rect">
@@ -3385,7 +3367,7 @@
         </p:blipFill>
         <p:spPr>
           <a:xfrm>
-            <a:off x="35278601" y="28202736"/>
+            <a:off x="27836427" y="28640918"/>
             <a:ext cx="8448993" cy="3117227"/>
           </a:xfrm>
           <a:prstGeom prst="rect">
@@ -3404,7 +3386,7 @@
         </p:nvSpPr>
         <p:spPr>
           <a:xfrm>
-            <a:off x="21539675" y="5893506"/>
+            <a:off x="21539675" y="4389170"/>
             <a:ext cx="16696079" cy="1332715"/>
           </a:xfrm>
           <a:prstGeom prst="roundRect">
@@ -3456,7 +3438,37 @@
                 <a:latin typeface="Calibri"/>
                 <a:ea typeface="Calibri"/>
               </a:rPr>
-              <a:t>Assaf Rosenbaum</a:t>
+              <a:t>Prof. Eli </a:t>
+            </a:r>
+            <a:r>
+              <a:rPr lang="en-US" sz="5040" b="1" spc="-1" dirty="0" err="1">
+                <a:solidFill>
+                  <a:srgbClr val="C00000"/>
+                </a:solidFill>
+                <a:uFill>
+                  <a:solidFill>
+                    <a:srgbClr val="FFFFFF"/>
+                  </a:solidFill>
+                </a:uFill>
+                <a:latin typeface="Calibri"/>
+                <a:ea typeface="Calibri"/>
+              </a:rPr>
+              <a:t>Biham</a:t>
+            </a:r>
+            <a:r>
+              <a:rPr lang="en-US" sz="5040" b="1" spc="-1" dirty="0">
+                <a:solidFill>
+                  <a:srgbClr val="C00000"/>
+                </a:solidFill>
+                <a:uFill>
+                  <a:solidFill>
+                    <a:srgbClr val="FFFFFF"/>
+                  </a:solidFill>
+                </a:uFill>
+                <a:latin typeface="Calibri"/>
+                <a:ea typeface="Calibri"/>
+              </a:rPr>
+              <a:t>, Assaf Rosenbaum, Dr. Nir Levy</a:t>
             </a:r>
             <a:endParaRPr lang="en-US" sz="1512" spc="-1" dirty="0">
               <a:solidFill>
@@ -3480,23 +3492,29 @@
         </p:nvSpPr>
         <p:spPr>
           <a:xfrm>
-            <a:off x="21333454" y="8159205"/>
-            <a:ext cx="20023441" cy="20211978"/>
+            <a:off x="472715" y="15483844"/>
+            <a:ext cx="20174118" cy="12539566"/>
           </a:xfrm>
           <a:prstGeom prst="roundRect">
             <a:avLst>
-              <a:gd name="adj" fmla="val 16667"/>
+              <a:gd name="adj" fmla="val 3136"/>
             </a:avLst>
           </a:prstGeom>
           <a:solidFill>
             <a:schemeClr val="lt1"/>
           </a:solidFill>
           <a:ln w="12600">
-            <a:solidFill>
-              <a:schemeClr val="dk1"/>
-            </a:solidFill>
+            <a:noFill/>
             <a:miter/>
           </a:ln>
+          <a:effectLst>
+            <a:glow rad="228600">
+              <a:schemeClr val="accent2">
+                <a:satMod val="175000"/>
+                <a:alpha val="40000"/>
+              </a:schemeClr>
+            </a:glow>
+          </a:effectLst>
         </p:spPr>
         <p:style>
           <a:lnRef idx="0">
@@ -3514,167 +3532,6 @@
           <a:bodyPr anchor="ctr"/>
           <a:lstStyle/>
           <a:p>
-            <a:pPr marL="857250" indent="-857250">
-              <a:lnSpc>
-                <a:spcPct val="100000"/>
-              </a:lnSpc>
-              <a:buFont typeface="Arial" panose="020B0604020202020204" pitchFamily="34" charset="0"/>
-              <a:buChar char="•"/>
-            </a:pPr>
-            <a:r>
-              <a:rPr lang="en-US" sz="5400" b="1" spc="-1" dirty="0">
-                <a:solidFill>
-                  <a:srgbClr val="C00000"/>
-                </a:solidFill>
-                <a:uFill>
-                  <a:solidFill>
-                    <a:srgbClr val="FFFFFF"/>
-                  </a:solidFill>
-                </a:uFill>
-                <a:latin typeface="Calibri"/>
-              </a:rPr>
-              <a:t>Configure FSD using FSD Manager</a:t>
-            </a:r>
-          </a:p>
-          <a:p>
-            <a:pPr marL="857250" indent="-857250">
-              <a:lnSpc>
-                <a:spcPct val="100000"/>
-              </a:lnSpc>
-              <a:buFont typeface="Arial" panose="020B0604020202020204" pitchFamily="34" charset="0"/>
-              <a:buChar char="•"/>
-            </a:pPr>
-            <a:r>
-              <a:rPr lang="en-US" sz="5400" b="1" spc="-1" dirty="0">
-                <a:solidFill>
-                  <a:srgbClr val="C00000"/>
-                </a:solidFill>
-                <a:uFill>
-                  <a:solidFill>
-                    <a:srgbClr val="FFFFFF"/>
-                  </a:solidFill>
-                </a:uFill>
-                <a:latin typeface="Calibri"/>
-              </a:rPr>
-              <a:t>Set folder you want to protect</a:t>
-            </a:r>
-          </a:p>
-          <a:p>
-            <a:pPr marL="857250" indent="-857250">
-              <a:lnSpc>
-                <a:spcPct val="100000"/>
-              </a:lnSpc>
-              <a:buFont typeface="Arial" panose="020B0604020202020204" pitchFamily="34" charset="0"/>
-              <a:buChar char="•"/>
-            </a:pPr>
-            <a:r>
-              <a:rPr lang="en-US" sz="5400" b="1" spc="-1" dirty="0">
-                <a:solidFill>
-                  <a:srgbClr val="C00000"/>
-                </a:solidFill>
-                <a:uFill>
-                  <a:solidFill>
-                    <a:srgbClr val="FFFFFF"/>
-                  </a:solidFill>
-                </a:uFill>
-                <a:latin typeface="Calibri"/>
-              </a:rPr>
-              <a:t>FSD Manager backup your private files to Azure</a:t>
-            </a:r>
-          </a:p>
-          <a:p>
-            <a:pPr marL="857250" indent="-857250">
-              <a:lnSpc>
-                <a:spcPct val="100000"/>
-              </a:lnSpc>
-              <a:buFont typeface="Arial" panose="020B0604020202020204" pitchFamily="34" charset="0"/>
-              <a:buChar char="•"/>
-            </a:pPr>
-            <a:r>
-              <a:rPr lang="en-US" sz="5400" b="1" spc="-1" dirty="0">
-                <a:solidFill>
-                  <a:srgbClr val="C00000"/>
-                </a:solidFill>
-                <a:uFill>
-                  <a:solidFill>
-                    <a:srgbClr val="FFFFFF"/>
-                  </a:solidFill>
-                </a:uFill>
-                <a:latin typeface="Calibri"/>
-              </a:rPr>
-              <a:t>FSD Driver Module filters relevant IRPs (I/O request packet) </a:t>
-            </a:r>
-          </a:p>
-          <a:p>
-            <a:pPr marL="857250" indent="-857250">
-              <a:lnSpc>
-                <a:spcPct val="100000"/>
-              </a:lnSpc>
-              <a:buFont typeface="Arial" panose="020B0604020202020204" pitchFamily="34" charset="0"/>
-              <a:buChar char="•"/>
-            </a:pPr>
-            <a:r>
-              <a:rPr lang="en-US" sz="5400" b="1" spc="-1" dirty="0">
-                <a:solidFill>
-                  <a:srgbClr val="C00000"/>
-                </a:solidFill>
-                <a:uFill>
-                  <a:solidFill>
-                    <a:srgbClr val="FFFFFF"/>
-                  </a:solidFill>
-                </a:uFill>
-                <a:latin typeface="Calibri"/>
-              </a:rPr>
-              <a:t>FSD Manager receives IRPs information from Driver Module and analyzes them</a:t>
-            </a:r>
-          </a:p>
-          <a:p>
-            <a:pPr marL="857250" indent="-857250">
-              <a:lnSpc>
-                <a:spcPct val="100000"/>
-              </a:lnSpc>
-              <a:buFont typeface="Arial" panose="020B0604020202020204" pitchFamily="34" charset="0"/>
-              <a:buChar char="•"/>
-            </a:pPr>
-            <a:r>
-              <a:rPr lang="en-US" sz="5400" b="1" spc="-1" dirty="0">
-                <a:solidFill>
-                  <a:srgbClr val="C00000"/>
-                </a:solidFill>
-                <a:uFill>
-                  <a:solidFill>
-                    <a:srgbClr val="FFFFFF"/>
-                  </a:solidFill>
-                </a:uFill>
-                <a:latin typeface="Calibri"/>
-              </a:rPr>
-              <a:t>When FSD Manager detect a threat, it signals Kernel Module to kill malicious process and gives user a notification, that thread was detected, and instructions to backup saved files</a:t>
-            </a:r>
-          </a:p>
-          <a:p>
-            <a:pPr marL="857250" indent="-857250">
-              <a:lnSpc>
-                <a:spcPct val="100000"/>
-              </a:lnSpc>
-              <a:buFont typeface="Arial" panose="020B0604020202020204" pitchFamily="34" charset="0"/>
-              <a:buChar char="•"/>
-            </a:pPr>
-            <a:r>
-              <a:rPr lang="en-US" sz="5400" b="1" spc="-1" dirty="0">
-                <a:solidFill>
-                  <a:srgbClr val="C00000"/>
-                </a:solidFill>
-                <a:uFill>
-                  <a:solidFill>
-                    <a:srgbClr val="FFFFFF"/>
-                  </a:solidFill>
-                </a:uFill>
-                <a:latin typeface="Calibri"/>
-              </a:rPr>
-              <a:t>No files are lost during the attack thanks to backup</a:t>
-            </a:r>
-          </a:p>
-          <a:p>
             <a:pPr>
               <a:lnSpc>
                 <a:spcPct val="100000"/>
@@ -3699,7 +3556,7 @@
               </a:lnSpc>
             </a:pPr>
             <a:r>
-              <a:rPr lang="en-US" sz="5400" b="1" spc="-1" dirty="0">
+              <a:rPr lang="en-US" sz="6000" b="1" spc="-1" dirty="0">
                 <a:solidFill>
                   <a:srgbClr val="C00000"/>
                 </a:solidFill>
@@ -3715,11 +3572,11 @@
           </a:p>
           <a:p>
             <a:pPr marL="1421983" lvl="1" indent="-857250">
-              <a:buFont typeface="Arial" panose="020B0604020202020204" pitchFamily="34" charset="0"/>
-              <a:buChar char="•"/>
+              <a:buFont typeface="Wingdings" panose="05000000000000000000" pitchFamily="2" charset="2"/>
+              <a:buChar char="ü"/>
             </a:pPr>
             <a:r>
-              <a:rPr lang="en-US" sz="5400" b="1" spc="-1" dirty="0">
+              <a:rPr lang="en-US" sz="6000" b="1" spc="-1" dirty="0">
                 <a:solidFill>
                   <a:srgbClr val="C00000"/>
                 </a:solidFill>
@@ -3734,12 +3591,12 @@
             </a:r>
           </a:p>
           <a:p>
-            <a:pPr marL="1250533" lvl="1" indent="-685800">
+            <a:pPr marL="1986717" lvl="2" indent="-857250">
               <a:buFont typeface="Arial" panose="020B0604020202020204" pitchFamily="34" charset="0"/>
               <a:buChar char="•"/>
             </a:pPr>
             <a:r>
-              <a:rPr lang="en-US" sz="5400" b="1" spc="-1" dirty="0">
+              <a:rPr lang="en-US" sz="4800" b="1" spc="-1" dirty="0">
                 <a:solidFill>
                   <a:srgbClr val="C00000"/>
                 </a:solidFill>
@@ -3750,16 +3607,76 @@
                 </a:uFill>
                 <a:latin typeface="Calibri"/>
               </a:rPr>
-              <a:t>Comparison of file modifications (“distance” between initial and final file)</a:t>
+              <a:t>Ransomware used to write encrypted data =&gt; high entropy writes</a:t>
             </a:r>
           </a:p>
           <a:p>
             <a:pPr marL="1250533" lvl="1" indent="-685800">
+              <a:buFont typeface="Wingdings" panose="05000000000000000000" pitchFamily="2" charset="2"/>
+              <a:buChar char="ü"/>
+            </a:pPr>
+            <a:r>
+              <a:rPr lang="en-US" sz="6000" b="1" spc="-1" dirty="0">
+                <a:solidFill>
+                  <a:srgbClr val="C00000"/>
+                </a:solidFill>
+                <a:uFill>
+                  <a:solidFill>
+                    <a:srgbClr val="FFFFFF"/>
+                  </a:solidFill>
+                </a:uFill>
+                <a:latin typeface="Calibri"/>
+              </a:rPr>
+              <a:t>Comparison of file modification</a:t>
+            </a:r>
+          </a:p>
+          <a:p>
+            <a:pPr marL="1815267" lvl="2" indent="-685800">
               <a:buFont typeface="Arial" panose="020B0604020202020204" pitchFamily="34" charset="0"/>
               <a:buChar char="•"/>
             </a:pPr>
             <a:r>
-              <a:rPr lang="en-US" sz="5400" b="1" spc="-1" dirty="0">
+              <a:rPr lang="en-US" sz="4800" b="1" spc="-1" dirty="0">
+                <a:solidFill>
+                  <a:srgbClr val="C00000"/>
+                </a:solidFill>
+                <a:uFill>
+                  <a:solidFill>
+                    <a:srgbClr val="FFFFFF"/>
+                  </a:solidFill>
+                </a:uFill>
+                <a:latin typeface="Calibri"/>
+              </a:rPr>
+              <a:t>After ransomware finishes encryption of file, the data changes significantly</a:t>
+            </a:r>
+          </a:p>
+          <a:p>
+            <a:pPr marL="1815267" lvl="2" indent="-685800">
+              <a:buFont typeface="Arial" panose="020B0604020202020204" pitchFamily="34" charset="0"/>
+              <a:buChar char="•"/>
+            </a:pPr>
+            <a:r>
+              <a:rPr lang="en-US" sz="4800" b="1" spc="-1" dirty="0">
+                <a:solidFill>
+                  <a:srgbClr val="C00000"/>
+                </a:solidFill>
+                <a:uFill>
+                  <a:solidFill>
+                    <a:srgbClr val="FFFFFF"/>
+                  </a:solidFill>
+                </a:uFill>
+                <a:latin typeface="Calibri"/>
+              </a:rPr>
+              <a:t>Bulk modifications of user data should considered suspicious</a:t>
+            </a:r>
+          </a:p>
+          <a:p>
+            <a:pPr marL="1250533" lvl="1" indent="-685800">
+              <a:buFont typeface="Wingdings" panose="05000000000000000000" pitchFamily="2" charset="2"/>
+              <a:buChar char="ü"/>
+            </a:pPr>
+            <a:r>
+              <a:rPr lang="en-US" sz="6000" b="1" spc="-1" dirty="0">
                 <a:solidFill>
                   <a:srgbClr val="C00000"/>
                 </a:solidFill>
@@ -3774,12 +3691,32 @@
             </a:r>
           </a:p>
           <a:p>
-            <a:pPr marL="1250533" lvl="1" indent="-685800">
+            <a:pPr marL="1815267" lvl="2" indent="-685800">
               <a:buFont typeface="Arial" panose="020B0604020202020204" pitchFamily="34" charset="0"/>
               <a:buChar char="•"/>
             </a:pPr>
             <a:r>
-              <a:rPr lang="en-US" sz="5400" b="1" spc="-1" dirty="0">
+              <a:rPr lang="en-US" sz="4800" b="1" spc="-1" dirty="0">
+                <a:solidFill>
+                  <a:srgbClr val="C00000"/>
+                </a:solidFill>
+                <a:uFill>
+                  <a:solidFill>
+                    <a:srgbClr val="FFFFFF"/>
+                  </a:solidFill>
+                </a:uFill>
+                <a:latin typeface="Calibri"/>
+              </a:rPr>
+              <a:t>Ransomware usually changes file types when it does the encryption</a:t>
+            </a:r>
+          </a:p>
+          <a:p>
+            <a:pPr marL="1250533" lvl="1" indent="-685800">
+              <a:buFont typeface="Wingdings" panose="05000000000000000000" pitchFamily="2" charset="2"/>
+              <a:buChar char="ü"/>
+            </a:pPr>
+            <a:r>
+              <a:rPr lang="en-US" sz="6000" b="1" spc="-1" dirty="0">
                 <a:solidFill>
                   <a:srgbClr val="C00000"/>
                 </a:solidFill>
@@ -3794,23 +3731,12 @@
             </a:r>
           </a:p>
           <a:p>
-            <a:pPr lvl="1"/>
-            <a:endParaRPr lang="en-US" sz="5400" b="1" spc="-1" dirty="0">
-              <a:solidFill>
-                <a:srgbClr val="C00000"/>
-              </a:solidFill>
-              <a:uFill>
-                <a:solidFill>
-                  <a:srgbClr val="FFFFFF"/>
-                </a:solidFill>
-              </a:uFill>
-              <a:latin typeface="Calibri"/>
-            </a:endParaRPr>
-          </a:p>
-          <a:p>
-            <a:pPr lvl="1"/>
+            <a:pPr marL="1815267" lvl="2" indent="-685800">
+              <a:buFont typeface="Arial" panose="020B0604020202020204" pitchFamily="34" charset="0"/>
+              <a:buChar char="•"/>
+            </a:pPr>
             <a:r>
-              <a:rPr lang="en-US" sz="5400" b="1" spc="-1" dirty="0">
+              <a:rPr lang="en-US" sz="4800" b="1" spc="-1" dirty="0">
                 <a:solidFill>
                   <a:srgbClr val="C00000"/>
                 </a:solidFill>
@@ -3821,10 +3747,41 @@
                 </a:uFill>
                 <a:latin typeface="Calibri"/>
               </a:rPr>
-              <a:t>Multiple indicators provide low false positive results and high accuracy</a:t>
+              <a:t>Multiple deletion of user files may indicate malicious activity</a:t>
+            </a:r>
+          </a:p>
+          <a:p>
+            <a:pPr lvl="1"/>
+            <a:endParaRPr lang="en-US" sz="6000" b="1" spc="-1" dirty="0">
+              <a:solidFill>
+                <a:srgbClr val="C00000"/>
+              </a:solidFill>
+              <a:uFill>
+                <a:solidFill>
+                  <a:srgbClr val="FFFFFF"/>
+                </a:solidFill>
+              </a:uFill>
+              <a:latin typeface="Calibri"/>
+            </a:endParaRPr>
+          </a:p>
+          <a:p>
+            <a:pPr lvl="1"/>
+            <a:r>
+              <a:rPr lang="en-US" sz="5400" b="1" spc="-1" dirty="0">
+                <a:solidFill>
+                  <a:srgbClr val="C00000"/>
+                </a:solidFill>
+                <a:uFill>
+                  <a:solidFill>
+                    <a:srgbClr val="FFFFFF"/>
+                  </a:solidFill>
+                </a:uFill>
+                <a:latin typeface="Calibri"/>
+              </a:rPr>
+              <a:t>Only triggering of multiple indicators will be considered malicious activity.</a:t>
             </a:r>
             <a:br>
-              <a:rPr lang="en-US" sz="5400" b="1" spc="-1" dirty="0">
+              <a:rPr lang="en-US" sz="6000" b="1" spc="-1" dirty="0">
                 <a:solidFill>
                   <a:srgbClr val="C00000"/>
                 </a:solidFill>
@@ -3836,7 +3793,7 @@
                 <a:latin typeface="Calibri"/>
               </a:rPr>
             </a:br>
-            <a:endParaRPr lang="en-US" sz="5400" b="1" spc="-1" dirty="0">
+            <a:endParaRPr lang="en-US" sz="6000" b="1" spc="-1" dirty="0">
               <a:solidFill>
                 <a:srgbClr val="C00000"/>
               </a:solidFill>
@@ -3871,7 +3828,7 @@
         </p:blipFill>
         <p:spPr>
           <a:xfrm>
-            <a:off x="260589" y="1919139"/>
+            <a:off x="260589" y="414803"/>
             <a:ext cx="5154788" cy="3405726"/>
           </a:xfrm>
           <a:prstGeom prst="rect">
@@ -3879,53 +3836,12 @@
           </a:prstGeom>
         </p:spPr>
       </p:pic>
-      <p:cxnSp>
-        <p:nvCxnSpPr>
-          <p:cNvPr id="16" name="Straight Connector 15">
+      <p:sp>
+        <p:nvSpPr>
+          <p:cNvPr id="2" name="TextBox 1">
             <a:extLst>
               <a:ext uri="{FF2B5EF4-FFF2-40B4-BE49-F238E27FC236}">
-                <a16:creationId xmlns:a16="http://schemas.microsoft.com/office/drawing/2014/main" id="{29EF90C1-0B2C-4143-B1CA-5723712DB3F5}"/>
-              </a:ext>
-            </a:extLst>
-          </p:cNvPr>
-          <p:cNvCxnSpPr>
-            <a:cxnSpLocks/>
-          </p:cNvCxnSpPr>
-          <p:nvPr/>
-        </p:nvCxnSpPr>
-        <p:spPr>
-          <a:xfrm flipV="1">
-            <a:off x="8819535" y="21082818"/>
-            <a:ext cx="9620865" cy="7205"/>
-          </a:xfrm>
-          <a:prstGeom prst="line">
-            <a:avLst/>
-          </a:prstGeom>
-          <a:ln w="76200">
-            <a:prstDash val="sysDot"/>
-          </a:ln>
-        </p:spPr>
-        <p:style>
-          <a:lnRef idx="1">
-            <a:schemeClr val="accent1"/>
-          </a:lnRef>
-          <a:fillRef idx="0">
-            <a:schemeClr val="accent1"/>
-          </a:fillRef>
-          <a:effectRef idx="0">
-            <a:schemeClr val="accent1"/>
-          </a:effectRef>
-          <a:fontRef idx="minor">
-            <a:schemeClr val="tx1"/>
-          </a:fontRef>
-        </p:style>
-      </p:cxnSp>
-      <p:sp>
-        <p:nvSpPr>
-          <p:cNvPr id="17" name="TextBox 16">
-            <a:extLst>
-              <a:ext uri="{FF2B5EF4-FFF2-40B4-BE49-F238E27FC236}">
-                <a16:creationId xmlns:a16="http://schemas.microsoft.com/office/drawing/2014/main" id="{218B5CD7-15BB-493A-B49F-681255267738}"/>
+                <a16:creationId xmlns:a16="http://schemas.microsoft.com/office/drawing/2014/main" id="{9EE8D834-5789-4720-BBD9-1A0327B6C8B0}"/>
               </a:ext>
             </a:extLst>
           </p:cNvPr>
@@ -3934,8 +3850,8 @@
         </p:nvSpPr>
         <p:spPr>
           <a:xfrm>
-            <a:off x="16822843" y="21150594"/>
-            <a:ext cx="2438400" cy="434414"/>
+            <a:off x="21549014" y="15244166"/>
+            <a:ext cx="9686159" cy="5909310"/>
           </a:xfrm>
           <a:prstGeom prst="rect">
             <a:avLst/>
@@ -3949,18 +3865,263 @@
           <a:lstStyle/>
           <a:p>
             <a:r>
-              <a:rPr lang="en-US" dirty="0"/>
-              <a:t>Kernel Mode</a:t>
+              <a:rPr lang="en-US" sz="5400" b="1" spc="-1" dirty="0">
+                <a:solidFill>
+                  <a:srgbClr val="C00000"/>
+                </a:solidFill>
+                <a:uFill>
+                  <a:solidFill>
+                    <a:srgbClr val="FFFFFF"/>
+                  </a:solidFill>
+                </a:uFill>
+                <a:latin typeface="Calibri"/>
+              </a:rPr>
+              <a:t>FSD Manager:</a:t>
+            </a:r>
+          </a:p>
+          <a:p>
+            <a:pPr marL="685800" indent="-685800">
+              <a:buFont typeface="Arial" panose="020B0604020202020204" pitchFamily="34" charset="0"/>
+              <a:buChar char="•"/>
+            </a:pPr>
+            <a:r>
+              <a:rPr lang="en-US" sz="5400" spc="-1" dirty="0">
+                <a:solidFill>
+                  <a:srgbClr val="C00000"/>
+                </a:solidFill>
+                <a:uFill>
+                  <a:solidFill>
+                    <a:srgbClr val="FFFFFF"/>
+                  </a:solidFill>
+                </a:uFill>
+                <a:latin typeface="Calibri"/>
+              </a:rPr>
+              <a:t>Does periodic backup to Azure</a:t>
+            </a:r>
+          </a:p>
+          <a:p>
+            <a:pPr marL="685800" indent="-685800">
+              <a:buFont typeface="Arial" panose="020B0604020202020204" pitchFamily="34" charset="0"/>
+              <a:buChar char="•"/>
+            </a:pPr>
+            <a:r>
+              <a:rPr lang="en-US" sz="5400" spc="-1" dirty="0">
+                <a:solidFill>
+                  <a:srgbClr val="C00000"/>
+                </a:solidFill>
+                <a:uFill>
+                  <a:solidFill>
+                    <a:srgbClr val="FFFFFF"/>
+                  </a:solidFill>
+                </a:uFill>
+                <a:latin typeface="Calibri"/>
+              </a:rPr>
+              <a:t>Analyzes Operation Descriptions and decides when process considered suspicious</a:t>
+            </a:r>
+          </a:p>
+          <a:p>
+            <a:pPr marL="685800" indent="-685800">
+              <a:buFont typeface="Arial" panose="020B0604020202020204" pitchFamily="34" charset="0"/>
+              <a:buChar char="•"/>
+            </a:pPr>
+            <a:r>
+              <a:rPr lang="en-US" sz="5400" spc="-1" dirty="0">
+                <a:solidFill>
+                  <a:srgbClr val="C00000"/>
+                </a:solidFill>
+                <a:uFill>
+                  <a:solidFill>
+                    <a:srgbClr val="FFFFFF"/>
+                  </a:solidFill>
+                </a:uFill>
+                <a:latin typeface="Calibri"/>
+              </a:rPr>
+              <a:t>Sends command to FSD Driver to kill malicious process</a:t>
             </a:r>
           </a:p>
         </p:txBody>
       </p:sp>
+      <p:grpSp>
+        <p:nvGrpSpPr>
+          <p:cNvPr id="76" name="Group 75">
+            <a:extLst>
+              <a:ext uri="{FF2B5EF4-FFF2-40B4-BE49-F238E27FC236}">
+                <a16:creationId xmlns:a16="http://schemas.microsoft.com/office/drawing/2014/main" id="{47396489-C217-4B56-AC6A-F2A30AEFA731}"/>
+              </a:ext>
+            </a:extLst>
+          </p:cNvPr>
+          <p:cNvGrpSpPr/>
+          <p:nvPr/>
+        </p:nvGrpSpPr>
+        <p:grpSpPr>
+          <a:xfrm>
+            <a:off x="21772203" y="8306578"/>
+            <a:ext cx="8747476" cy="7533899"/>
+            <a:chOff x="21278365" y="7708354"/>
+            <a:chExt cx="5340663" cy="5308611"/>
+          </a:xfrm>
+        </p:grpSpPr>
+        <p:grpSp>
+          <p:nvGrpSpPr>
+            <p:cNvPr id="3" name="Group 2">
+              <a:extLst>
+                <a:ext uri="{FF2B5EF4-FFF2-40B4-BE49-F238E27FC236}">
+                  <a16:creationId xmlns:a16="http://schemas.microsoft.com/office/drawing/2014/main" id="{A5E4FA85-512F-4EF7-A940-6B6DC813FC04}"/>
+                </a:ext>
+              </a:extLst>
+            </p:cNvPr>
+            <p:cNvGrpSpPr/>
+            <p:nvPr/>
+          </p:nvGrpSpPr>
+          <p:grpSpPr>
+            <a:xfrm>
+              <a:off x="21278365" y="7708354"/>
+              <a:ext cx="5090965" cy="5308611"/>
+              <a:chOff x="21539675" y="11908991"/>
+              <a:chExt cx="7539408" cy="7539408"/>
+            </a:xfrm>
+          </p:grpSpPr>
+          <p:pic>
+            <p:nvPicPr>
+              <p:cNvPr id="1026" name="Picture 2" descr="Image result for windows azure">
+                <a:extLst>
+                  <a:ext uri="{FF2B5EF4-FFF2-40B4-BE49-F238E27FC236}">
+                    <a16:creationId xmlns:a16="http://schemas.microsoft.com/office/drawing/2014/main" id="{DCF98B24-46E3-44E2-82C2-6D61BBCED7DE}"/>
+                  </a:ext>
+                </a:extLst>
+              </p:cNvPr>
+              <p:cNvPicPr>
+                <a:picLocks noChangeAspect="1" noChangeArrowheads="1"/>
+              </p:cNvPicPr>
+              <p:nvPr/>
+            </p:nvPicPr>
+            <p:blipFill>
+              <a:blip r:embed="rId7">
+                <a:extLst>
+                  <a:ext uri="{28A0092B-C50C-407E-A947-70E740481C1C}">
+                    <a14:useLocalDpi xmlns:a14="http://schemas.microsoft.com/office/drawing/2010/main" val="0"/>
+                  </a:ext>
+                </a:extLst>
+              </a:blip>
+              <a:srcRect/>
+              <a:stretch>
+                <a:fillRect/>
+              </a:stretch>
+            </p:blipFill>
+            <p:spPr bwMode="auto">
+              <a:xfrm>
+                <a:off x="21539675" y="11908991"/>
+                <a:ext cx="7539408" cy="7539408"/>
+              </a:xfrm>
+              <a:prstGeom prst="rect">
+                <a:avLst/>
+              </a:prstGeom>
+              <a:noFill/>
+              <a:extLst>
+                <a:ext uri="{909E8E84-426E-40DD-AFC4-6F175D3DCCD1}">
+                  <a14:hiddenFill xmlns:a14="http://schemas.microsoft.com/office/drawing/2010/main">
+                    <a:solidFill>
+                      <a:srgbClr val="FFFFFF"/>
+                    </a:solidFill>
+                  </a14:hiddenFill>
+                </a:ext>
+              </a:extLst>
+            </p:spPr>
+          </p:pic>
+          <p:pic>
+            <p:nvPicPr>
+              <p:cNvPr id="34" name="Picture 10" descr="Image result for files">
+                <a:extLst>
+                  <a:ext uri="{FF2B5EF4-FFF2-40B4-BE49-F238E27FC236}">
+                    <a16:creationId xmlns:a16="http://schemas.microsoft.com/office/drawing/2014/main" id="{76C05269-6963-444E-90A1-EA0AB01417CE}"/>
+                  </a:ext>
+                </a:extLst>
+              </p:cNvPr>
+              <p:cNvPicPr>
+                <a:picLocks noChangeAspect="1" noChangeArrowheads="1"/>
+              </p:cNvPicPr>
+              <p:nvPr/>
+            </p:nvPicPr>
+            <p:blipFill>
+              <a:blip r:embed="rId8">
+                <a:extLst>
+                  <a:ext uri="{28A0092B-C50C-407E-A947-70E740481C1C}">
+                    <a14:useLocalDpi xmlns:a14="http://schemas.microsoft.com/office/drawing/2010/main" val="0"/>
+                  </a:ext>
+                </a:extLst>
+              </a:blip>
+              <a:srcRect/>
+              <a:stretch>
+                <a:fillRect/>
+              </a:stretch>
+            </p:blipFill>
+            <p:spPr bwMode="auto">
+              <a:xfrm>
+                <a:off x="24328891" y="13782657"/>
+                <a:ext cx="3136936" cy="1549740"/>
+              </a:xfrm>
+              <a:prstGeom prst="rect">
+                <a:avLst/>
+              </a:prstGeom>
+              <a:noFill/>
+              <a:extLst>
+                <a:ext uri="{909E8E84-426E-40DD-AFC4-6F175D3DCCD1}">
+                  <a14:hiddenFill xmlns:a14="http://schemas.microsoft.com/office/drawing/2010/main">
+                    <a:solidFill>
+                      <a:srgbClr val="FFFFFF"/>
+                    </a:solidFill>
+                  </a14:hiddenFill>
+                </a:ext>
+              </a:extLst>
+            </p:spPr>
+          </p:pic>
+        </p:grpSp>
+        <p:sp>
+          <p:nvSpPr>
+            <p:cNvPr id="38" name="TextBox 37">
+              <a:extLst>
+                <a:ext uri="{FF2B5EF4-FFF2-40B4-BE49-F238E27FC236}">
+                  <a16:creationId xmlns:a16="http://schemas.microsoft.com/office/drawing/2014/main" id="{516BF417-13BA-477E-B0D5-522D58B809CE}"/>
+                </a:ext>
+              </a:extLst>
+            </p:cNvPr>
+            <p:cNvSpPr txBox="1"/>
+            <p:nvPr/>
+          </p:nvSpPr>
+          <p:spPr>
+            <a:xfrm>
+              <a:off x="22044713" y="9957725"/>
+              <a:ext cx="4574315" cy="523220"/>
+            </a:xfrm>
+            <a:prstGeom prst="rect">
+              <a:avLst/>
+            </a:prstGeom>
+            <a:noFill/>
+          </p:spPr>
+          <p:txBody>
+            <a:bodyPr wrap="square" rtlCol="0">
+              <a:spAutoFit/>
+            </a:bodyPr>
+            <a:lstStyle/>
+            <a:p>
+              <a:r>
+                <a:rPr lang="en-US" sz="3200" b="1" dirty="0">
+                  <a:solidFill>
+                    <a:srgbClr val="C00000"/>
+                  </a:solidFill>
+                </a:rPr>
+                <a:t>User private files backup</a:t>
+              </a:r>
+            </a:p>
+          </p:txBody>
+        </p:sp>
+      </p:grpSp>
       <p:sp>
         <p:nvSpPr>
-          <p:cNvPr id="28" name="TextBox 27">
+          <p:cNvPr id="71" name="TextBox 70">
             <a:extLst>
               <a:ext uri="{FF2B5EF4-FFF2-40B4-BE49-F238E27FC236}">
-                <a16:creationId xmlns:a16="http://schemas.microsoft.com/office/drawing/2014/main" id="{2A471676-E327-4906-86DD-6BE564C5781F}"/>
+                <a16:creationId xmlns:a16="http://schemas.microsoft.com/office/drawing/2014/main" id="{0445A639-4F4F-42FC-BF31-A7A5CE1352D0}"/>
               </a:ext>
             </a:extLst>
           </p:cNvPr>
@@ -3969,8 +4130,8 @@
         </p:nvSpPr>
         <p:spPr>
           <a:xfrm>
-            <a:off x="16829204" y="20627291"/>
-            <a:ext cx="2438400" cy="434414"/>
+            <a:off x="21462487" y="21438340"/>
+            <a:ext cx="12439119" cy="6740307"/>
           </a:xfrm>
           <a:prstGeom prst="rect">
             <a:avLst/>
@@ -3984,18 +4145,1165 @@
           <a:lstStyle/>
           <a:p>
             <a:r>
-              <a:rPr lang="en-US" dirty="0"/>
-              <a:t>User Mode</a:t>
+              <a:rPr lang="en-US" sz="5400" b="1" spc="-1" dirty="0">
+                <a:solidFill>
+                  <a:srgbClr val="C00000"/>
+                </a:solidFill>
+                <a:uFill>
+                  <a:solidFill>
+                    <a:srgbClr val="FFFFFF"/>
+                  </a:solidFill>
+                </a:uFill>
+                <a:latin typeface="Calibri"/>
+              </a:rPr>
+              <a:t>FSD Driver:</a:t>
+            </a:r>
+          </a:p>
+          <a:p>
+            <a:pPr marL="457200" indent="-457200">
+              <a:buFont typeface="Arial" panose="020B0604020202020204" pitchFamily="34" charset="0"/>
+              <a:buChar char="•"/>
+            </a:pPr>
+            <a:r>
+              <a:rPr lang="en-US" sz="5400" spc="-1" dirty="0">
+                <a:solidFill>
+                  <a:srgbClr val="C00000"/>
+                </a:solidFill>
+                <a:uFill>
+                  <a:solidFill>
+                    <a:srgbClr val="FFFFFF"/>
+                  </a:solidFill>
+                </a:uFill>
+                <a:latin typeface="Calibri"/>
+              </a:rPr>
+              <a:t>Filters incoming IRPs (I/O Request Packets)</a:t>
+            </a:r>
+          </a:p>
+          <a:p>
+            <a:pPr marL="457200" indent="-457200">
+              <a:buFont typeface="Arial" panose="020B0604020202020204" pitchFamily="34" charset="0"/>
+              <a:buChar char="•"/>
+            </a:pPr>
+            <a:r>
+              <a:rPr lang="en-US" sz="5400" spc="-1" dirty="0">
+                <a:solidFill>
+                  <a:srgbClr val="C00000"/>
+                </a:solidFill>
+                <a:uFill>
+                  <a:solidFill>
+                    <a:srgbClr val="FFFFFF"/>
+                  </a:solidFill>
+                </a:uFill>
+                <a:latin typeface="Calibri"/>
+              </a:rPr>
+              <a:t>Makes quick processing of operations</a:t>
+            </a:r>
+          </a:p>
+          <a:p>
+            <a:pPr marL="457200" indent="-457200">
+              <a:buFont typeface="Arial" panose="020B0604020202020204" pitchFamily="34" charset="0"/>
+              <a:buChar char="•"/>
+            </a:pPr>
+            <a:r>
+              <a:rPr lang="en-US" sz="5400" spc="-1" dirty="0">
+                <a:solidFill>
+                  <a:srgbClr val="C00000"/>
+                </a:solidFill>
+                <a:uFill>
+                  <a:solidFill>
+                    <a:srgbClr val="FFFFFF"/>
+                  </a:solidFill>
+                </a:uFill>
+                <a:latin typeface="Calibri"/>
+              </a:rPr>
+              <a:t>Sends Operation Description and details to FSD Manager</a:t>
+            </a:r>
+          </a:p>
+          <a:p>
+            <a:pPr marL="457200" indent="-457200">
+              <a:buFont typeface="Arial" panose="020B0604020202020204" pitchFamily="34" charset="0"/>
+              <a:buChar char="•"/>
+            </a:pPr>
+            <a:r>
+              <a:rPr lang="en-US" sz="5400" spc="-1" dirty="0">
+                <a:solidFill>
+                  <a:srgbClr val="C00000"/>
+                </a:solidFill>
+                <a:uFill>
+                  <a:solidFill>
+                    <a:srgbClr val="FFFFFF"/>
+                  </a:solidFill>
+                </a:uFill>
+                <a:latin typeface="Calibri"/>
+              </a:rPr>
+              <a:t>Kills malicious processes upon Manager`s request</a:t>
             </a:r>
           </a:p>
         </p:txBody>
       </p:sp>
+      <p:grpSp>
+        <p:nvGrpSpPr>
+          <p:cNvPr id="77" name="Group 76">
+            <a:extLst>
+              <a:ext uri="{FF2B5EF4-FFF2-40B4-BE49-F238E27FC236}">
+                <a16:creationId xmlns:a16="http://schemas.microsoft.com/office/drawing/2014/main" id="{F5B8831C-1DE9-4452-AC43-67CFF7590F54}"/>
+              </a:ext>
+            </a:extLst>
+          </p:cNvPr>
+          <p:cNvGrpSpPr/>
+          <p:nvPr/>
+        </p:nvGrpSpPr>
+        <p:grpSpPr>
+          <a:xfrm>
+            <a:off x="27864729" y="6845382"/>
+            <a:ext cx="14866899" cy="19987528"/>
+            <a:chOff x="30635823" y="10536981"/>
+            <a:chExt cx="11970712" cy="16539942"/>
+          </a:xfrm>
+        </p:grpSpPr>
+        <p:cxnSp>
+          <p:nvCxnSpPr>
+            <p:cNvPr id="72" name="Straight Arrow Connector 71">
+              <a:extLst>
+                <a:ext uri="{FF2B5EF4-FFF2-40B4-BE49-F238E27FC236}">
+                  <a16:creationId xmlns:a16="http://schemas.microsoft.com/office/drawing/2014/main" id="{7CBAEAFE-42D0-4F64-852D-107FA7A262C0}"/>
+                </a:ext>
+              </a:extLst>
+            </p:cNvPr>
+            <p:cNvCxnSpPr>
+              <a:cxnSpLocks/>
+            </p:cNvCxnSpPr>
+            <p:nvPr/>
+          </p:nvCxnSpPr>
+          <p:spPr>
+            <a:xfrm flipV="1">
+              <a:off x="37311862" y="15723061"/>
+              <a:ext cx="1072541" cy="2945743"/>
+            </a:xfrm>
+            <a:prstGeom prst="straightConnector1">
+              <a:avLst/>
+            </a:prstGeom>
+            <a:ln w="139700">
+              <a:headEnd type="triangle" w="med" len="med"/>
+              <a:tailEnd type="triangle" w="med" len="med"/>
+            </a:ln>
+          </p:spPr>
+          <p:style>
+            <a:lnRef idx="1">
+              <a:schemeClr val="accent1"/>
+            </a:lnRef>
+            <a:fillRef idx="0">
+              <a:schemeClr val="accent1"/>
+            </a:fillRef>
+            <a:effectRef idx="0">
+              <a:schemeClr val="accent1"/>
+            </a:effectRef>
+            <a:fontRef idx="minor">
+              <a:schemeClr val="tx1"/>
+            </a:fontRef>
+          </p:style>
+        </p:cxnSp>
+        <p:cxnSp>
+          <p:nvCxnSpPr>
+            <p:cNvPr id="16" name="Straight Connector 15">
+              <a:extLst>
+                <a:ext uri="{FF2B5EF4-FFF2-40B4-BE49-F238E27FC236}">
+                  <a16:creationId xmlns:a16="http://schemas.microsoft.com/office/drawing/2014/main" id="{29EF90C1-0B2C-4143-B1CA-5723712DB3F5}"/>
+                </a:ext>
+              </a:extLst>
+            </p:cNvPr>
+            <p:cNvCxnSpPr>
+              <a:cxnSpLocks/>
+            </p:cNvCxnSpPr>
+            <p:nvPr/>
+          </p:nvCxnSpPr>
+          <p:spPr>
+            <a:xfrm flipV="1">
+              <a:off x="33682198" y="17487085"/>
+              <a:ext cx="8088989" cy="40289"/>
+            </a:xfrm>
+            <a:prstGeom prst="line">
+              <a:avLst/>
+            </a:prstGeom>
+            <a:ln w="76200">
+              <a:prstDash val="sysDot"/>
+            </a:ln>
+          </p:spPr>
+          <p:style>
+            <a:lnRef idx="1">
+              <a:schemeClr val="accent1"/>
+            </a:lnRef>
+            <a:fillRef idx="0">
+              <a:schemeClr val="accent1"/>
+            </a:fillRef>
+            <a:effectRef idx="0">
+              <a:schemeClr val="accent1"/>
+            </a:effectRef>
+            <a:fontRef idx="minor">
+              <a:schemeClr val="tx1"/>
+            </a:fontRef>
+          </p:style>
+        </p:cxnSp>
+        <p:sp>
+          <p:nvSpPr>
+            <p:cNvPr id="17" name="TextBox 16">
+              <a:extLst>
+                <a:ext uri="{FF2B5EF4-FFF2-40B4-BE49-F238E27FC236}">
+                  <a16:creationId xmlns:a16="http://schemas.microsoft.com/office/drawing/2014/main" id="{218B5CD7-15BB-493A-B49F-681255267738}"/>
+                </a:ext>
+              </a:extLst>
+            </p:cNvPr>
+            <p:cNvSpPr txBox="1"/>
+            <p:nvPr/>
+          </p:nvSpPr>
+          <p:spPr>
+            <a:xfrm>
+              <a:off x="40168135" y="17509286"/>
+              <a:ext cx="2438400" cy="534847"/>
+            </a:xfrm>
+            <a:prstGeom prst="rect">
+              <a:avLst/>
+            </a:prstGeom>
+            <a:noFill/>
+          </p:spPr>
+          <p:txBody>
+            <a:bodyPr wrap="square" rtlCol="0">
+              <a:spAutoFit/>
+            </a:bodyPr>
+            <a:lstStyle/>
+            <a:p>
+              <a:r>
+                <a:rPr lang="en-US" sz="3600" dirty="0"/>
+                <a:t>Kernel Mode</a:t>
+              </a:r>
+            </a:p>
+          </p:txBody>
+        </p:sp>
+        <p:sp>
+          <p:nvSpPr>
+            <p:cNvPr id="28" name="TextBox 27">
+              <a:extLst>
+                <a:ext uri="{FF2B5EF4-FFF2-40B4-BE49-F238E27FC236}">
+                  <a16:creationId xmlns:a16="http://schemas.microsoft.com/office/drawing/2014/main" id="{2A471676-E327-4906-86DD-6BE564C5781F}"/>
+                </a:ext>
+              </a:extLst>
+            </p:cNvPr>
+            <p:cNvSpPr txBox="1"/>
+            <p:nvPr/>
+          </p:nvSpPr>
+          <p:spPr>
+            <a:xfrm>
+              <a:off x="40168135" y="16934232"/>
+              <a:ext cx="2438400" cy="585785"/>
+            </a:xfrm>
+            <a:prstGeom prst="rect">
+              <a:avLst/>
+            </a:prstGeom>
+            <a:noFill/>
+          </p:spPr>
+          <p:txBody>
+            <a:bodyPr wrap="square" rtlCol="0">
+              <a:spAutoFit/>
+            </a:bodyPr>
+            <a:lstStyle/>
+            <a:p>
+              <a:r>
+                <a:rPr lang="en-US" sz="4000" dirty="0"/>
+                <a:t>User Mode</a:t>
+              </a:r>
+            </a:p>
+          </p:txBody>
+        </p:sp>
+        <p:sp>
+          <p:nvSpPr>
+            <p:cNvPr id="18" name="Rectangle: Rounded Corners 17">
+              <a:extLst>
+                <a:ext uri="{FF2B5EF4-FFF2-40B4-BE49-F238E27FC236}">
+                  <a16:creationId xmlns:a16="http://schemas.microsoft.com/office/drawing/2014/main" id="{8FDA8584-6C7A-4F04-AB7C-09EC04FC276F}"/>
+                </a:ext>
+              </a:extLst>
+            </p:cNvPr>
+            <p:cNvSpPr/>
+            <p:nvPr/>
+          </p:nvSpPr>
+          <p:spPr>
+            <a:xfrm>
+              <a:off x="33682198" y="18668800"/>
+              <a:ext cx="7386183" cy="2036316"/>
+            </a:xfrm>
+            <a:prstGeom prst="roundRect">
+              <a:avLst/>
+            </a:prstGeom>
+          </p:spPr>
+          <p:style>
+            <a:lnRef idx="1">
+              <a:schemeClr val="accent2"/>
+            </a:lnRef>
+            <a:fillRef idx="3">
+              <a:schemeClr val="accent2"/>
+            </a:fillRef>
+            <a:effectRef idx="2">
+              <a:schemeClr val="accent2"/>
+            </a:effectRef>
+            <a:fontRef idx="minor">
+              <a:schemeClr val="lt1"/>
+            </a:fontRef>
+          </p:style>
+          <p:txBody>
+            <a:bodyPr rtlCol="0" anchor="ctr"/>
+            <a:lstStyle/>
+            <a:p>
+              <a:pPr algn="ctr"/>
+              <a:r>
+                <a:rPr lang="en-US" sz="5400" b="1" dirty="0">
+                  <a:ln w="6600">
+                    <a:solidFill>
+                      <a:schemeClr val="accent2"/>
+                    </a:solidFill>
+                    <a:prstDash val="solid"/>
+                  </a:ln>
+                  <a:solidFill>
+                    <a:srgbClr val="FFFFFF"/>
+                  </a:solidFill>
+                  <a:effectLst>
+                    <a:outerShdw dist="38100" dir="2700000" algn="tl" rotWithShape="0">
+                      <a:schemeClr val="accent2"/>
+                    </a:outerShdw>
+                  </a:effectLst>
+                </a:rPr>
+                <a:t>FSD </a:t>
+              </a:r>
+              <a:r>
+                <a:rPr lang="en-US" sz="5400" b="1" dirty="0" err="1">
+                  <a:ln w="6600">
+                    <a:solidFill>
+                      <a:schemeClr val="accent2"/>
+                    </a:solidFill>
+                    <a:prstDash val="solid"/>
+                  </a:ln>
+                  <a:solidFill>
+                    <a:srgbClr val="FFFFFF"/>
+                  </a:solidFill>
+                  <a:effectLst>
+                    <a:outerShdw dist="38100" dir="2700000" algn="tl" rotWithShape="0">
+                      <a:schemeClr val="accent2"/>
+                    </a:outerShdw>
+                  </a:effectLst>
+                </a:rPr>
+                <a:t>Minifilter</a:t>
+              </a:r>
+              <a:r>
+                <a:rPr lang="en-US" sz="5400" b="1" dirty="0">
+                  <a:ln w="6600">
+                    <a:solidFill>
+                      <a:schemeClr val="accent2"/>
+                    </a:solidFill>
+                    <a:prstDash val="solid"/>
+                  </a:ln>
+                  <a:solidFill>
+                    <a:srgbClr val="FFFFFF"/>
+                  </a:solidFill>
+                  <a:effectLst>
+                    <a:outerShdw dist="38100" dir="2700000" algn="tl" rotWithShape="0">
+                      <a:schemeClr val="accent2"/>
+                    </a:outerShdw>
+                  </a:effectLst>
+                </a:rPr>
+                <a:t> Driver</a:t>
+              </a:r>
+            </a:p>
+          </p:txBody>
+        </p:sp>
+        <p:sp>
+          <p:nvSpPr>
+            <p:cNvPr id="30" name="Rectangle: Rounded Corners 29">
+              <a:extLst>
+                <a:ext uri="{FF2B5EF4-FFF2-40B4-BE49-F238E27FC236}">
+                  <a16:creationId xmlns:a16="http://schemas.microsoft.com/office/drawing/2014/main" id="{75792288-262A-4B71-815E-2FDE13524E9C}"/>
+                </a:ext>
+              </a:extLst>
+            </p:cNvPr>
+            <p:cNvSpPr/>
+            <p:nvPr/>
+          </p:nvSpPr>
+          <p:spPr>
+            <a:xfrm>
+              <a:off x="35421712" y="22081618"/>
+              <a:ext cx="4005754" cy="1062456"/>
+            </a:xfrm>
+            <a:prstGeom prst="roundRect">
+              <a:avLst/>
+            </a:prstGeom>
+            <a:solidFill>
+              <a:schemeClr val="bg1"/>
+            </a:solidFill>
+          </p:spPr>
+          <p:style>
+            <a:lnRef idx="2">
+              <a:schemeClr val="accent1">
+                <a:shade val="50000"/>
+              </a:schemeClr>
+            </a:lnRef>
+            <a:fillRef idx="1">
+              <a:schemeClr val="accent1"/>
+            </a:fillRef>
+            <a:effectRef idx="0">
+              <a:schemeClr val="accent1"/>
+            </a:effectRef>
+            <a:fontRef idx="minor">
+              <a:schemeClr val="lt1"/>
+            </a:fontRef>
+          </p:style>
+          <p:txBody>
+            <a:bodyPr rtlCol="0" anchor="ctr"/>
+            <a:lstStyle/>
+            <a:p>
+              <a:pPr algn="ctr"/>
+              <a:r>
+                <a:rPr lang="en-US" sz="3200" b="1" dirty="0">
+                  <a:solidFill>
+                    <a:schemeClr val="tx1"/>
+                  </a:solidFill>
+                </a:rPr>
+                <a:t>Legacy Device Driver</a:t>
+              </a:r>
+            </a:p>
+          </p:txBody>
+        </p:sp>
+        <p:pic>
+          <p:nvPicPr>
+            <p:cNvPr id="1028" name="Picture 4" descr="Image result for hard disk picture">
+              <a:extLst>
+                <a:ext uri="{FF2B5EF4-FFF2-40B4-BE49-F238E27FC236}">
+                  <a16:creationId xmlns:a16="http://schemas.microsoft.com/office/drawing/2014/main" id="{9367D756-56DD-4A5B-AA9F-B5CDC724F1A6}"/>
+                </a:ext>
+              </a:extLst>
+            </p:cNvPr>
+            <p:cNvPicPr>
+              <a:picLocks noChangeAspect="1" noChangeArrowheads="1"/>
+            </p:cNvPicPr>
+            <p:nvPr/>
+          </p:nvPicPr>
+          <p:blipFill>
+            <a:blip r:embed="rId9" cstate="print">
+              <a:extLst>
+                <a:ext uri="{28A0092B-C50C-407E-A947-70E740481C1C}">
+                  <a14:useLocalDpi xmlns:a14="http://schemas.microsoft.com/office/drawing/2010/main" val="0"/>
+                </a:ext>
+              </a:extLst>
+            </a:blip>
+            <a:srcRect/>
+            <a:stretch>
+              <a:fillRect/>
+            </a:stretch>
+          </p:blipFill>
+          <p:spPr bwMode="auto">
+            <a:xfrm>
+              <a:off x="36153429" y="24867729"/>
+              <a:ext cx="2651032" cy="2209194"/>
+            </a:xfrm>
+            <a:prstGeom prst="rect">
+              <a:avLst/>
+            </a:prstGeom>
+            <a:noFill/>
+            <a:extLst>
+              <a:ext uri="{909E8E84-426E-40DD-AFC4-6F175D3DCCD1}">
+                <a14:hiddenFill xmlns:a14="http://schemas.microsoft.com/office/drawing/2010/main">
+                  <a:solidFill>
+                    <a:srgbClr val="FFFFFF"/>
+                  </a:solidFill>
+                </a14:hiddenFill>
+              </a:ext>
+            </a:extLst>
+          </p:spPr>
+        </p:pic>
+        <p:sp>
+          <p:nvSpPr>
+            <p:cNvPr id="56" name="Rectangle: Rounded Corners 55">
+              <a:extLst>
+                <a:ext uri="{FF2B5EF4-FFF2-40B4-BE49-F238E27FC236}">
+                  <a16:creationId xmlns:a16="http://schemas.microsoft.com/office/drawing/2014/main" id="{FA07FB43-9C34-4CBE-9D69-032ABAFA1338}"/>
+                </a:ext>
+              </a:extLst>
+            </p:cNvPr>
+            <p:cNvSpPr/>
+            <p:nvPr/>
+          </p:nvSpPr>
+          <p:spPr>
+            <a:xfrm>
+              <a:off x="30635823" y="10536981"/>
+              <a:ext cx="5371687" cy="1784132"/>
+            </a:xfrm>
+            <a:prstGeom prst="roundRect">
+              <a:avLst/>
+            </a:prstGeom>
+          </p:spPr>
+          <p:style>
+            <a:lnRef idx="0">
+              <a:schemeClr val="accent2"/>
+            </a:lnRef>
+            <a:fillRef idx="3">
+              <a:schemeClr val="accent2"/>
+            </a:fillRef>
+            <a:effectRef idx="3">
+              <a:schemeClr val="accent2"/>
+            </a:effectRef>
+            <a:fontRef idx="minor">
+              <a:schemeClr val="lt1"/>
+            </a:fontRef>
+          </p:style>
+          <p:txBody>
+            <a:bodyPr rtlCol="0" anchor="ctr"/>
+            <a:lstStyle/>
+            <a:p>
+              <a:pPr algn="ctr"/>
+              <a:r>
+                <a:rPr lang="en-US" sz="5400" b="1" dirty="0">
+                  <a:ln w="6600">
+                    <a:solidFill>
+                      <a:schemeClr val="accent2"/>
+                    </a:solidFill>
+                    <a:prstDash val="solid"/>
+                  </a:ln>
+                  <a:solidFill>
+                    <a:srgbClr val="FFFFFF"/>
+                  </a:solidFill>
+                  <a:effectLst>
+                    <a:outerShdw dist="38100" dir="2700000" algn="tl" rotWithShape="0">
+                      <a:schemeClr val="accent2"/>
+                    </a:outerShdw>
+                  </a:effectLst>
+                </a:rPr>
+                <a:t>FSD Manager Service</a:t>
+              </a:r>
+            </a:p>
+          </p:txBody>
+        </p:sp>
+        <p:pic>
+          <p:nvPicPr>
+            <p:cNvPr id="1034" name="Picture 10" descr="Image result for files">
+              <a:extLst>
+                <a:ext uri="{FF2B5EF4-FFF2-40B4-BE49-F238E27FC236}">
+                  <a16:creationId xmlns:a16="http://schemas.microsoft.com/office/drawing/2014/main" id="{5575D5C7-8970-45BF-98F2-2095724BBE70}"/>
+                </a:ext>
+              </a:extLst>
+            </p:cNvPr>
+            <p:cNvPicPr>
+              <a:picLocks noChangeAspect="1" noChangeArrowheads="1"/>
+            </p:cNvPicPr>
+            <p:nvPr/>
+          </p:nvPicPr>
+          <p:blipFill>
+            <a:blip r:embed="rId8">
+              <a:extLst>
+                <a:ext uri="{28A0092B-C50C-407E-A947-70E740481C1C}">
+                  <a14:useLocalDpi xmlns:a14="http://schemas.microsoft.com/office/drawing/2010/main" val="0"/>
+                </a:ext>
+              </a:extLst>
+            </a:blip>
+            <a:srcRect/>
+            <a:stretch>
+              <a:fillRect/>
+            </a:stretch>
+          </p:blipFill>
+          <p:spPr bwMode="auto">
+            <a:xfrm>
+              <a:off x="36823679" y="13385974"/>
+              <a:ext cx="3802125" cy="1878363"/>
+            </a:xfrm>
+            <a:prstGeom prst="rect">
+              <a:avLst/>
+            </a:prstGeom>
+            <a:noFill/>
+            <a:extLst>
+              <a:ext uri="{909E8E84-426E-40DD-AFC4-6F175D3DCCD1}">
+                <a14:hiddenFill xmlns:a14="http://schemas.microsoft.com/office/drawing/2010/main">
+                  <a:solidFill>
+                    <a:srgbClr val="FFFFFF"/>
+                  </a:solidFill>
+                </a14:hiddenFill>
+              </a:ext>
+            </a:extLst>
+          </p:spPr>
+        </p:pic>
+        <p:sp>
+          <p:nvSpPr>
+            <p:cNvPr id="80" name="TextBox 79">
+              <a:extLst>
+                <a:ext uri="{FF2B5EF4-FFF2-40B4-BE49-F238E27FC236}">
+                  <a16:creationId xmlns:a16="http://schemas.microsoft.com/office/drawing/2014/main" id="{27AA86ED-ABC9-4A81-80E7-8123F5E0F319}"/>
+                </a:ext>
+              </a:extLst>
+            </p:cNvPr>
+            <p:cNvSpPr txBox="1"/>
+            <p:nvPr/>
+          </p:nvSpPr>
+          <p:spPr>
+            <a:xfrm>
+              <a:off x="36210106" y="15199841"/>
+              <a:ext cx="5435278" cy="483909"/>
+            </a:xfrm>
+            <a:prstGeom prst="rect">
+              <a:avLst/>
+            </a:prstGeom>
+            <a:noFill/>
+          </p:spPr>
+          <p:txBody>
+            <a:bodyPr wrap="square" rtlCol="0">
+              <a:spAutoFit/>
+            </a:bodyPr>
+            <a:lstStyle/>
+            <a:p>
+              <a:r>
+                <a:rPr lang="en-US" sz="3200" b="1" dirty="0">
+                  <a:solidFill>
+                    <a:srgbClr val="C00000"/>
+                  </a:solidFill>
+                </a:rPr>
+                <a:t>User private files are protected</a:t>
+              </a:r>
+            </a:p>
+          </p:txBody>
+        </p:sp>
+        <p:sp>
+          <p:nvSpPr>
+            <p:cNvPr id="40" name="Rectangle: Rounded Corners 39">
+              <a:extLst>
+                <a:ext uri="{FF2B5EF4-FFF2-40B4-BE49-F238E27FC236}">
+                  <a16:creationId xmlns:a16="http://schemas.microsoft.com/office/drawing/2014/main" id="{22DC85AB-8214-4515-BDFA-B9A737887FB3}"/>
+                </a:ext>
+              </a:extLst>
+            </p:cNvPr>
+            <p:cNvSpPr/>
+            <p:nvPr/>
+          </p:nvSpPr>
+          <p:spPr>
+            <a:xfrm>
+              <a:off x="36178345" y="10674469"/>
+              <a:ext cx="1290668" cy="1062456"/>
+            </a:xfrm>
+            <a:prstGeom prst="roundRect">
+              <a:avLst/>
+            </a:prstGeom>
+            <a:solidFill>
+              <a:schemeClr val="bg1"/>
+            </a:solidFill>
+          </p:spPr>
+          <p:style>
+            <a:lnRef idx="2">
+              <a:schemeClr val="accent1">
+                <a:shade val="50000"/>
+              </a:schemeClr>
+            </a:lnRef>
+            <a:fillRef idx="1">
+              <a:schemeClr val="accent1"/>
+            </a:fillRef>
+            <a:effectRef idx="0">
+              <a:schemeClr val="accent1"/>
+            </a:effectRef>
+            <a:fontRef idx="minor">
+              <a:schemeClr val="lt1"/>
+            </a:fontRef>
+          </p:style>
+          <p:txBody>
+            <a:bodyPr rtlCol="0" anchor="ctr"/>
+            <a:lstStyle/>
+            <a:p>
+              <a:pPr algn="ctr"/>
+              <a:r>
+                <a:rPr lang="en-US" sz="3200" b="1" dirty="0">
+                  <a:solidFill>
+                    <a:schemeClr val="tx1"/>
+                  </a:solidFill>
+                </a:rPr>
+                <a:t>Word</a:t>
+              </a:r>
+              <a:endParaRPr lang="en-US" b="1" dirty="0">
+                <a:solidFill>
+                  <a:schemeClr val="tx1"/>
+                </a:solidFill>
+              </a:endParaRPr>
+            </a:p>
+          </p:txBody>
+        </p:sp>
+        <p:sp>
+          <p:nvSpPr>
+            <p:cNvPr id="45" name="Rectangle: Rounded Corners 44">
+              <a:extLst>
+                <a:ext uri="{FF2B5EF4-FFF2-40B4-BE49-F238E27FC236}">
+                  <a16:creationId xmlns:a16="http://schemas.microsoft.com/office/drawing/2014/main" id="{A0ADED67-D9C7-4230-B424-0E7652C67333}"/>
+                </a:ext>
+              </a:extLst>
+            </p:cNvPr>
+            <p:cNvSpPr/>
+            <p:nvPr/>
+          </p:nvSpPr>
+          <p:spPr>
+            <a:xfrm>
+              <a:off x="39575978" y="10683685"/>
+              <a:ext cx="2516433" cy="1062456"/>
+            </a:xfrm>
+            <a:prstGeom prst="roundRect">
+              <a:avLst/>
+            </a:prstGeom>
+            <a:solidFill>
+              <a:schemeClr val="tx1">
+                <a:lumMod val="95000"/>
+                <a:lumOff val="5000"/>
+              </a:schemeClr>
+            </a:solidFill>
+          </p:spPr>
+          <p:style>
+            <a:lnRef idx="2">
+              <a:schemeClr val="accent1">
+                <a:shade val="50000"/>
+              </a:schemeClr>
+            </a:lnRef>
+            <a:fillRef idx="1">
+              <a:schemeClr val="accent1"/>
+            </a:fillRef>
+            <a:effectRef idx="0">
+              <a:schemeClr val="accent1"/>
+            </a:effectRef>
+            <a:fontRef idx="minor">
+              <a:schemeClr val="lt1"/>
+            </a:fontRef>
+          </p:style>
+          <p:txBody>
+            <a:bodyPr rtlCol="0" anchor="ctr"/>
+            <a:lstStyle/>
+            <a:p>
+              <a:pPr algn="ctr"/>
+              <a:r>
+                <a:rPr lang="en-US" sz="3200" b="1" dirty="0">
+                  <a:solidFill>
+                    <a:schemeClr val="bg1"/>
+                  </a:solidFill>
+                </a:rPr>
+                <a:t>Ransomware</a:t>
+              </a:r>
+              <a:endParaRPr lang="en-US" b="1" dirty="0">
+                <a:solidFill>
+                  <a:schemeClr val="bg1"/>
+                </a:solidFill>
+              </a:endParaRPr>
+            </a:p>
+          </p:txBody>
+        </p:sp>
+        <p:sp>
+          <p:nvSpPr>
+            <p:cNvPr id="55" name="Rectangle: Rounded Corners 54">
+              <a:extLst>
+                <a:ext uri="{FF2B5EF4-FFF2-40B4-BE49-F238E27FC236}">
+                  <a16:creationId xmlns:a16="http://schemas.microsoft.com/office/drawing/2014/main" id="{F35F38C5-249D-4F6B-9B3D-27CF877A1415}"/>
+                </a:ext>
+              </a:extLst>
+            </p:cNvPr>
+            <p:cNvSpPr/>
+            <p:nvPr/>
+          </p:nvSpPr>
+          <p:spPr>
+            <a:xfrm>
+              <a:off x="37700404" y="10683685"/>
+              <a:ext cx="1607892" cy="1062456"/>
+            </a:xfrm>
+            <a:prstGeom prst="roundRect">
+              <a:avLst/>
+            </a:prstGeom>
+            <a:solidFill>
+              <a:schemeClr val="bg1"/>
+            </a:solidFill>
+          </p:spPr>
+          <p:style>
+            <a:lnRef idx="2">
+              <a:schemeClr val="accent1">
+                <a:shade val="50000"/>
+              </a:schemeClr>
+            </a:lnRef>
+            <a:fillRef idx="1">
+              <a:schemeClr val="accent1"/>
+            </a:fillRef>
+            <a:effectRef idx="0">
+              <a:schemeClr val="accent1"/>
+            </a:effectRef>
+            <a:fontRef idx="minor">
+              <a:schemeClr val="lt1"/>
+            </a:fontRef>
+          </p:style>
+          <p:txBody>
+            <a:bodyPr rtlCol="0" anchor="ctr"/>
+            <a:lstStyle/>
+            <a:p>
+              <a:pPr algn="ctr"/>
+              <a:r>
+                <a:rPr lang="en-US" sz="3200" b="1" dirty="0">
+                  <a:solidFill>
+                    <a:schemeClr val="tx1"/>
+                  </a:solidFill>
+                </a:rPr>
+                <a:t>Chrome</a:t>
+              </a:r>
+            </a:p>
+          </p:txBody>
+        </p:sp>
+        <p:cxnSp>
+          <p:nvCxnSpPr>
+            <p:cNvPr id="59" name="Straight Arrow Connector 58">
+              <a:extLst>
+                <a:ext uri="{FF2B5EF4-FFF2-40B4-BE49-F238E27FC236}">
+                  <a16:creationId xmlns:a16="http://schemas.microsoft.com/office/drawing/2014/main" id="{256C6C63-DADD-46BF-80F0-466DA12B4E04}"/>
+                </a:ext>
+              </a:extLst>
+            </p:cNvPr>
+            <p:cNvCxnSpPr>
+              <a:cxnSpLocks/>
+            </p:cNvCxnSpPr>
+            <p:nvPr/>
+          </p:nvCxnSpPr>
+          <p:spPr>
+            <a:xfrm flipH="1" flipV="1">
+              <a:off x="36881754" y="11885751"/>
+              <a:ext cx="1264512" cy="1723878"/>
+            </a:xfrm>
+            <a:prstGeom prst="straightConnector1">
+              <a:avLst/>
+            </a:prstGeom>
+            <a:ln w="139700">
+              <a:headEnd type="triangle" w="med" len="med"/>
+              <a:tailEnd type="triangle" w="med" len="med"/>
+            </a:ln>
+          </p:spPr>
+          <p:style>
+            <a:lnRef idx="1">
+              <a:schemeClr val="accent1"/>
+            </a:lnRef>
+            <a:fillRef idx="0">
+              <a:schemeClr val="accent1"/>
+            </a:fillRef>
+            <a:effectRef idx="0">
+              <a:schemeClr val="accent1"/>
+            </a:effectRef>
+            <a:fontRef idx="minor">
+              <a:schemeClr val="tx1"/>
+            </a:fontRef>
+          </p:style>
+        </p:cxnSp>
+        <p:cxnSp>
+          <p:nvCxnSpPr>
+            <p:cNvPr id="60" name="Straight Arrow Connector 59">
+              <a:extLst>
+                <a:ext uri="{FF2B5EF4-FFF2-40B4-BE49-F238E27FC236}">
+                  <a16:creationId xmlns:a16="http://schemas.microsoft.com/office/drawing/2014/main" id="{81AF9321-B62B-4E0D-8588-436E5E51CB5F}"/>
+                </a:ext>
+              </a:extLst>
+            </p:cNvPr>
+            <p:cNvCxnSpPr>
+              <a:cxnSpLocks/>
+            </p:cNvCxnSpPr>
+            <p:nvPr/>
+          </p:nvCxnSpPr>
+          <p:spPr>
+            <a:xfrm flipV="1">
+              <a:off x="38277778" y="11893617"/>
+              <a:ext cx="213251" cy="1716013"/>
+            </a:xfrm>
+            <a:prstGeom prst="straightConnector1">
+              <a:avLst/>
+            </a:prstGeom>
+            <a:ln w="139700">
+              <a:headEnd type="triangle" w="med" len="med"/>
+              <a:tailEnd type="triangle" w="med" len="med"/>
+            </a:ln>
+          </p:spPr>
+          <p:style>
+            <a:lnRef idx="1">
+              <a:schemeClr val="accent1"/>
+            </a:lnRef>
+            <a:fillRef idx="0">
+              <a:schemeClr val="accent1"/>
+            </a:fillRef>
+            <a:effectRef idx="0">
+              <a:schemeClr val="accent1"/>
+            </a:effectRef>
+            <a:fontRef idx="minor">
+              <a:schemeClr val="tx1"/>
+            </a:fontRef>
+          </p:style>
+        </p:cxnSp>
+        <p:cxnSp>
+          <p:nvCxnSpPr>
+            <p:cNvPr id="61" name="Straight Arrow Connector 60">
+              <a:extLst>
+                <a:ext uri="{FF2B5EF4-FFF2-40B4-BE49-F238E27FC236}">
+                  <a16:creationId xmlns:a16="http://schemas.microsoft.com/office/drawing/2014/main" id="{CBD7CF3B-709D-48FD-BFA7-4418EFD2605A}"/>
+                </a:ext>
+              </a:extLst>
+            </p:cNvPr>
+            <p:cNvCxnSpPr>
+              <a:cxnSpLocks/>
+            </p:cNvCxnSpPr>
+            <p:nvPr/>
+          </p:nvCxnSpPr>
+          <p:spPr>
+            <a:xfrm flipV="1">
+              <a:off x="38504350" y="11885751"/>
+              <a:ext cx="1702395" cy="1723877"/>
+            </a:xfrm>
+            <a:prstGeom prst="straightConnector1">
+              <a:avLst/>
+            </a:prstGeom>
+            <a:ln w="139700">
+              <a:headEnd type="triangle" w="med" len="med"/>
+              <a:tailEnd type="triangle" w="med" len="med"/>
+            </a:ln>
+          </p:spPr>
+          <p:style>
+            <a:lnRef idx="1">
+              <a:schemeClr val="accent1"/>
+            </a:lnRef>
+            <a:fillRef idx="0">
+              <a:schemeClr val="accent1"/>
+            </a:fillRef>
+            <a:effectRef idx="0">
+              <a:schemeClr val="accent1"/>
+            </a:effectRef>
+            <a:fontRef idx="minor">
+              <a:schemeClr val="tx1"/>
+            </a:fontRef>
+          </p:style>
+        </p:cxnSp>
+        <p:sp>
+          <p:nvSpPr>
+            <p:cNvPr id="54" name="Rectangle: Rounded Corners 53">
+              <a:extLst>
+                <a:ext uri="{FF2B5EF4-FFF2-40B4-BE49-F238E27FC236}">
+                  <a16:creationId xmlns:a16="http://schemas.microsoft.com/office/drawing/2014/main" id="{CFEE0A5F-2D31-41B7-95A3-0097B625AEE2}"/>
+                </a:ext>
+              </a:extLst>
+            </p:cNvPr>
+            <p:cNvSpPr/>
+            <p:nvPr/>
+          </p:nvSpPr>
+          <p:spPr>
+            <a:xfrm>
+              <a:off x="35457546" y="12498406"/>
+              <a:ext cx="6093608" cy="508706"/>
+            </a:xfrm>
+            <a:prstGeom prst="roundRect">
+              <a:avLst/>
+            </a:prstGeom>
+            <a:solidFill>
+              <a:schemeClr val="bg1"/>
+            </a:solidFill>
+            <a:ln>
+              <a:noFill/>
+            </a:ln>
+          </p:spPr>
+          <p:style>
+            <a:lnRef idx="2">
+              <a:schemeClr val="accent1">
+                <a:shade val="50000"/>
+              </a:schemeClr>
+            </a:lnRef>
+            <a:fillRef idx="1">
+              <a:schemeClr val="accent1"/>
+            </a:fillRef>
+            <a:effectRef idx="0">
+              <a:schemeClr val="accent1"/>
+            </a:effectRef>
+            <a:fontRef idx="minor">
+              <a:schemeClr val="lt1"/>
+            </a:fontRef>
+          </p:style>
+          <p:txBody>
+            <a:bodyPr rtlCol="0" anchor="ctr"/>
+            <a:lstStyle/>
+            <a:p>
+              <a:pPr algn="ctr"/>
+              <a:r>
+                <a:rPr lang="en-US" sz="3200" b="1" dirty="0">
+                  <a:solidFill>
+                    <a:schemeClr val="tx1"/>
+                  </a:solidFill>
+                </a:rPr>
+                <a:t>I/O </a:t>
+              </a:r>
+              <a:r>
+                <a:rPr lang="en-US" sz="3200" b="1" dirty="0">
+                  <a:ln>
+                    <a:solidFill>
+                      <a:schemeClr val="bg1"/>
+                    </a:solidFill>
+                  </a:ln>
+                  <a:solidFill>
+                    <a:schemeClr val="tx1"/>
+                  </a:solidFill>
+                </a:rPr>
+                <a:t>Operations</a:t>
+              </a:r>
+            </a:p>
+          </p:txBody>
+        </p:sp>
+        <p:cxnSp>
+          <p:nvCxnSpPr>
+            <p:cNvPr id="67" name="Straight Arrow Connector 66">
+              <a:extLst>
+                <a:ext uri="{FF2B5EF4-FFF2-40B4-BE49-F238E27FC236}">
+                  <a16:creationId xmlns:a16="http://schemas.microsoft.com/office/drawing/2014/main" id="{08645CA5-9419-462E-AD17-B8963797EA29}"/>
+                </a:ext>
+              </a:extLst>
+            </p:cNvPr>
+            <p:cNvCxnSpPr>
+              <a:cxnSpLocks/>
+            </p:cNvCxnSpPr>
+            <p:nvPr/>
+          </p:nvCxnSpPr>
+          <p:spPr>
+            <a:xfrm flipV="1">
+              <a:off x="37431808" y="20923299"/>
+              <a:ext cx="0" cy="1022701"/>
+            </a:xfrm>
+            <a:prstGeom prst="straightConnector1">
+              <a:avLst/>
+            </a:prstGeom>
+            <a:ln w="139700">
+              <a:headEnd type="triangle" w="med" len="med"/>
+              <a:tailEnd type="triangle" w="med" len="med"/>
+            </a:ln>
+          </p:spPr>
+          <p:style>
+            <a:lnRef idx="1">
+              <a:schemeClr val="accent1"/>
+            </a:lnRef>
+            <a:fillRef idx="0">
+              <a:schemeClr val="accent1"/>
+            </a:fillRef>
+            <a:effectRef idx="0">
+              <a:schemeClr val="accent1"/>
+            </a:effectRef>
+            <a:fontRef idx="minor">
+              <a:schemeClr val="tx1"/>
+            </a:fontRef>
+          </p:style>
+        </p:cxnSp>
+        <p:cxnSp>
+          <p:nvCxnSpPr>
+            <p:cNvPr id="70" name="Straight Arrow Connector 69">
+              <a:extLst>
+                <a:ext uri="{FF2B5EF4-FFF2-40B4-BE49-F238E27FC236}">
+                  <a16:creationId xmlns:a16="http://schemas.microsoft.com/office/drawing/2014/main" id="{7DAC1BD7-B1A7-4EB4-9E93-01CB323B68CA}"/>
+                </a:ext>
+              </a:extLst>
+            </p:cNvPr>
+            <p:cNvCxnSpPr>
+              <a:cxnSpLocks/>
+            </p:cNvCxnSpPr>
+            <p:nvPr/>
+          </p:nvCxnSpPr>
+          <p:spPr>
+            <a:xfrm flipV="1">
+              <a:off x="37400389" y="23266738"/>
+              <a:ext cx="31419" cy="1523220"/>
+            </a:xfrm>
+            <a:prstGeom prst="straightConnector1">
+              <a:avLst/>
+            </a:prstGeom>
+            <a:ln w="139700">
+              <a:headEnd type="triangle" w="med" len="med"/>
+              <a:tailEnd type="triangle" w="med" len="med"/>
+            </a:ln>
+          </p:spPr>
+          <p:style>
+            <a:lnRef idx="1">
+              <a:schemeClr val="accent1"/>
+            </a:lnRef>
+            <a:fillRef idx="0">
+              <a:schemeClr val="accent1"/>
+            </a:fillRef>
+            <a:effectRef idx="0">
+              <a:schemeClr val="accent1"/>
+            </a:effectRef>
+            <a:fontRef idx="minor">
+              <a:schemeClr val="tx1"/>
+            </a:fontRef>
+          </p:style>
+        </p:cxnSp>
+        <p:sp>
+          <p:nvSpPr>
+            <p:cNvPr id="74" name="Rectangle: Rounded Corners 73">
+              <a:extLst>
+                <a:ext uri="{FF2B5EF4-FFF2-40B4-BE49-F238E27FC236}">
+                  <a16:creationId xmlns:a16="http://schemas.microsoft.com/office/drawing/2014/main" id="{1B9F3586-1F33-467D-9584-D8FE2117F874}"/>
+                </a:ext>
+              </a:extLst>
+            </p:cNvPr>
+            <p:cNvSpPr/>
+            <p:nvPr/>
+          </p:nvSpPr>
+          <p:spPr>
+            <a:xfrm>
+              <a:off x="35242330" y="16919047"/>
+              <a:ext cx="4260767" cy="999253"/>
+            </a:xfrm>
+            <a:prstGeom prst="roundRect">
+              <a:avLst/>
+            </a:prstGeom>
+            <a:solidFill>
+              <a:schemeClr val="bg1"/>
+            </a:solidFill>
+            <a:ln>
+              <a:noFill/>
+            </a:ln>
+          </p:spPr>
+          <p:style>
+            <a:lnRef idx="2">
+              <a:schemeClr val="accent1">
+                <a:shade val="50000"/>
+              </a:schemeClr>
+            </a:lnRef>
+            <a:fillRef idx="1">
+              <a:schemeClr val="accent1"/>
+            </a:fillRef>
+            <a:effectRef idx="0">
+              <a:schemeClr val="accent1"/>
+            </a:effectRef>
+            <a:fontRef idx="minor">
+              <a:schemeClr val="lt1"/>
+            </a:fontRef>
+          </p:style>
+          <p:txBody>
+            <a:bodyPr rtlCol="0" anchor="ctr"/>
+            <a:lstStyle/>
+            <a:p>
+              <a:pPr algn="ctr"/>
+              <a:r>
+                <a:rPr lang="en-US" sz="3200" b="1" dirty="0">
+                  <a:solidFill>
+                    <a:schemeClr val="tx1"/>
+                  </a:solidFill>
+                </a:rPr>
+                <a:t>IPR (I/O Request Packet)</a:t>
+              </a:r>
+              <a:endParaRPr lang="en-US" sz="3200" b="1" dirty="0">
+                <a:ln>
+                  <a:solidFill>
+                    <a:schemeClr val="bg1"/>
+                  </a:solidFill>
+                </a:ln>
+                <a:solidFill>
+                  <a:schemeClr val="tx1"/>
+                </a:solidFill>
+              </a:endParaRPr>
+            </a:p>
+          </p:txBody>
+        </p:sp>
+      </p:grpSp>
       <p:sp>
         <p:nvSpPr>
-          <p:cNvPr id="18" name="Rectangle: Rounded Corners 17">
+          <p:cNvPr id="86" name="Arrow: Curved Right 85">
             <a:extLst>
               <a:ext uri="{FF2B5EF4-FFF2-40B4-BE49-F238E27FC236}">
-                <a16:creationId xmlns:a16="http://schemas.microsoft.com/office/drawing/2014/main" id="{8FDA8584-6C7A-4F04-AB7C-09EC04FC276F}"/>
+                <a16:creationId xmlns:a16="http://schemas.microsoft.com/office/drawing/2014/main" id="{BBFD3171-15B1-40EB-B729-5378E9DAED53}"/>
               </a:ext>
             </a:extLst>
           </p:cNvPr>
@@ -4003,667 +5311,15 @@
           <p:nvPr/>
         </p:nvSpPr>
         <p:spPr>
-          <a:xfrm>
-            <a:off x="11145809" y="21882889"/>
-            <a:ext cx="5200031" cy="2564082"/>
+          <a:xfrm rot="5400000">
+            <a:off x="24558978" y="6770108"/>
+            <a:ext cx="765583" cy="2003060"/>
           </a:xfrm>
-          <a:prstGeom prst="roundRect">
-            <a:avLst/>
-          </a:prstGeom>
-        </p:spPr>
-        <p:style>
-          <a:lnRef idx="1">
-            <a:schemeClr val="accent2"/>
-          </a:lnRef>
-          <a:fillRef idx="3">
-            <a:schemeClr val="accent2"/>
-          </a:fillRef>
-          <a:effectRef idx="2">
-            <a:schemeClr val="accent2"/>
-          </a:effectRef>
-          <a:fontRef idx="minor">
-            <a:schemeClr val="lt1"/>
-          </a:fontRef>
-        </p:style>
-        <p:txBody>
-          <a:bodyPr rtlCol="0" anchor="ctr"/>
-          <a:lstStyle/>
-          <a:p>
-            <a:pPr algn="ctr"/>
-            <a:r>
-              <a:rPr lang="en-US" sz="5400" b="1" dirty="0">
-                <a:ln w="6600">
-                  <a:solidFill>
-                    <a:schemeClr val="accent2"/>
-                  </a:solidFill>
-                  <a:prstDash val="solid"/>
-                </a:ln>
-                <a:solidFill>
-                  <a:srgbClr val="FFFFFF"/>
-                </a:solidFill>
-                <a:effectLst>
-                  <a:outerShdw dist="38100" dir="2700000" algn="tl" rotWithShape="0">
-                    <a:schemeClr val="accent2"/>
-                  </a:outerShdw>
-                </a:effectLst>
-              </a:rPr>
-              <a:t>FSD </a:t>
-            </a:r>
-            <a:r>
-              <a:rPr lang="en-US" sz="5400" b="1" dirty="0" err="1">
-                <a:ln w="6600">
-                  <a:solidFill>
-                    <a:schemeClr val="accent2"/>
-                  </a:solidFill>
-                  <a:prstDash val="solid"/>
-                </a:ln>
-                <a:solidFill>
-                  <a:srgbClr val="FFFFFF"/>
-                </a:solidFill>
-                <a:effectLst>
-                  <a:outerShdw dist="38100" dir="2700000" algn="tl" rotWithShape="0">
-                    <a:schemeClr val="accent2"/>
-                  </a:outerShdw>
-                </a:effectLst>
-              </a:rPr>
-              <a:t>Minifilter</a:t>
-            </a:r>
-            <a:r>
-              <a:rPr lang="en-US" sz="5400" b="1" dirty="0">
-                <a:ln w="6600">
-                  <a:solidFill>
-                    <a:schemeClr val="accent2"/>
-                  </a:solidFill>
-                  <a:prstDash val="solid"/>
-                </a:ln>
-                <a:solidFill>
-                  <a:srgbClr val="FFFFFF"/>
-                </a:solidFill>
-                <a:effectLst>
-                  <a:outerShdw dist="38100" dir="2700000" algn="tl" rotWithShape="0">
-                    <a:schemeClr val="accent2"/>
-                  </a:outerShdw>
-                </a:effectLst>
-              </a:rPr>
-              <a:t> Driver</a:t>
-            </a:r>
-          </a:p>
-        </p:txBody>
-      </p:sp>
-      <p:sp>
-        <p:nvSpPr>
-          <p:cNvPr id="30" name="Rectangle: Rounded Corners 29">
-            <a:extLst>
-              <a:ext uri="{FF2B5EF4-FFF2-40B4-BE49-F238E27FC236}">
-                <a16:creationId xmlns:a16="http://schemas.microsoft.com/office/drawing/2014/main" id="{75792288-262A-4B71-815E-2FDE13524E9C}"/>
-              </a:ext>
-            </a:extLst>
-          </p:cNvPr>
-          <p:cNvSpPr/>
-          <p:nvPr/>
-        </p:nvSpPr>
-        <p:spPr>
-          <a:xfrm>
-            <a:off x="11830049" y="25451330"/>
-            <a:ext cx="3581400" cy="1062456"/>
-          </a:xfrm>
-          <a:prstGeom prst="roundRect">
-            <a:avLst/>
-          </a:prstGeom>
-          <a:solidFill>
-            <a:schemeClr val="bg1"/>
-          </a:solidFill>
-        </p:spPr>
-        <p:style>
-          <a:lnRef idx="2">
-            <a:schemeClr val="accent1">
-              <a:shade val="50000"/>
-            </a:schemeClr>
-          </a:lnRef>
-          <a:fillRef idx="1">
-            <a:schemeClr val="accent1"/>
-          </a:fillRef>
-          <a:effectRef idx="0">
-            <a:schemeClr val="accent1"/>
-          </a:effectRef>
-          <a:fontRef idx="minor">
-            <a:schemeClr val="lt1"/>
-          </a:fontRef>
-        </p:style>
-        <p:txBody>
-          <a:bodyPr rtlCol="0" anchor="ctr"/>
-          <a:lstStyle/>
-          <a:p>
-            <a:pPr algn="ctr"/>
-            <a:r>
-              <a:rPr lang="en-US" sz="2400" b="1" dirty="0">
-                <a:solidFill>
-                  <a:schemeClr val="tx1"/>
-                </a:solidFill>
-              </a:rPr>
-              <a:t>Legacy Device Driver</a:t>
-            </a:r>
-          </a:p>
-        </p:txBody>
-      </p:sp>
-      <p:pic>
-        <p:nvPicPr>
-          <p:cNvPr id="1028" name="Picture 4" descr="Image result for hard disk picture">
-            <a:extLst>
-              <a:ext uri="{FF2B5EF4-FFF2-40B4-BE49-F238E27FC236}">
-                <a16:creationId xmlns:a16="http://schemas.microsoft.com/office/drawing/2014/main" id="{9367D756-56DD-4A5B-AA9F-B5CDC724F1A6}"/>
-              </a:ext>
-            </a:extLst>
-          </p:cNvPr>
-          <p:cNvPicPr>
-            <a:picLocks noChangeAspect="1" noChangeArrowheads="1"/>
-          </p:cNvPicPr>
-          <p:nvPr/>
-        </p:nvPicPr>
-        <p:blipFill>
-          <a:blip r:embed="rId7" cstate="print">
-            <a:extLst>
-              <a:ext uri="{28A0092B-C50C-407E-A947-70E740481C1C}">
-                <a14:useLocalDpi xmlns:a14="http://schemas.microsoft.com/office/drawing/2010/main" val="0"/>
-              </a:ext>
-            </a:extLst>
-          </a:blip>
-          <a:srcRect/>
-          <a:stretch>
-            <a:fillRect/>
-          </a:stretch>
-        </p:blipFill>
-        <p:spPr bwMode="auto">
-          <a:xfrm>
-            <a:off x="12898684" y="27167740"/>
-            <a:ext cx="1444131" cy="1203443"/>
-          </a:xfrm>
-          <a:prstGeom prst="rect">
-            <a:avLst/>
-          </a:prstGeom>
-          <a:noFill/>
-          <a:extLst>
-            <a:ext uri="{909E8E84-426E-40DD-AFC4-6F175D3DCCD1}">
-              <a14:hiddenFill xmlns:a14="http://schemas.microsoft.com/office/drawing/2010/main">
-                <a:solidFill>
-                  <a:srgbClr val="FFFFFF"/>
-                </a:solidFill>
-              </a14:hiddenFill>
-            </a:ext>
-          </a:extLst>
-        </p:spPr>
-      </p:pic>
-      <p:cxnSp>
-        <p:nvCxnSpPr>
-          <p:cNvPr id="48" name="Straight Arrow Connector 47">
-            <a:extLst>
-              <a:ext uri="{FF2B5EF4-FFF2-40B4-BE49-F238E27FC236}">
-                <a16:creationId xmlns:a16="http://schemas.microsoft.com/office/drawing/2014/main" id="{21D5BC5F-D4F8-426F-9429-7DFD0D6F9489}"/>
-              </a:ext>
-            </a:extLst>
-          </p:cNvPr>
-          <p:cNvCxnSpPr>
-            <a:cxnSpLocks/>
-          </p:cNvCxnSpPr>
-          <p:nvPr/>
-        </p:nvCxnSpPr>
-        <p:spPr>
-          <a:xfrm flipV="1">
-            <a:off x="13489236" y="24446971"/>
-            <a:ext cx="0" cy="1004361"/>
-          </a:xfrm>
-          <a:prstGeom prst="straightConnector1">
-            <a:avLst/>
-          </a:prstGeom>
-          <a:ln w="57150">
-            <a:tailEnd type="triangle"/>
-          </a:ln>
-        </p:spPr>
-        <p:style>
-          <a:lnRef idx="1">
-            <a:schemeClr val="accent1"/>
-          </a:lnRef>
-          <a:fillRef idx="0">
-            <a:schemeClr val="accent1"/>
-          </a:fillRef>
-          <a:effectRef idx="0">
-            <a:schemeClr val="accent1"/>
-          </a:effectRef>
-          <a:fontRef idx="minor">
-            <a:schemeClr val="tx1"/>
-          </a:fontRef>
-        </p:style>
-      </p:cxnSp>
-      <p:cxnSp>
-        <p:nvCxnSpPr>
-          <p:cNvPr id="49" name="Straight Arrow Connector 48">
-            <a:extLst>
-              <a:ext uri="{FF2B5EF4-FFF2-40B4-BE49-F238E27FC236}">
-                <a16:creationId xmlns:a16="http://schemas.microsoft.com/office/drawing/2014/main" id="{F8C00DFD-B27B-4C17-AA8E-5883BA1CD2C9}"/>
-              </a:ext>
-            </a:extLst>
-          </p:cNvPr>
-          <p:cNvCxnSpPr>
-            <a:cxnSpLocks/>
-          </p:cNvCxnSpPr>
-          <p:nvPr/>
-        </p:nvCxnSpPr>
-        <p:spPr>
-          <a:xfrm flipV="1">
-            <a:off x="13489236" y="26513786"/>
-            <a:ext cx="0" cy="640685"/>
-          </a:xfrm>
-          <a:prstGeom prst="straightConnector1">
-            <a:avLst/>
-          </a:prstGeom>
-          <a:ln w="57150">
-            <a:tailEnd type="triangle"/>
-          </a:ln>
-        </p:spPr>
-        <p:style>
-          <a:lnRef idx="1">
-            <a:schemeClr val="accent1"/>
-          </a:lnRef>
-          <a:fillRef idx="0">
-            <a:schemeClr val="accent1"/>
-          </a:fillRef>
-          <a:effectRef idx="0">
-            <a:schemeClr val="accent1"/>
-          </a:effectRef>
-          <a:fontRef idx="minor">
-            <a:schemeClr val="tx1"/>
-          </a:fontRef>
-        </p:style>
-      </p:cxnSp>
-      <p:cxnSp>
-        <p:nvCxnSpPr>
-          <p:cNvPr id="50" name="Straight Arrow Connector 49">
-            <a:extLst>
-              <a:ext uri="{FF2B5EF4-FFF2-40B4-BE49-F238E27FC236}">
-                <a16:creationId xmlns:a16="http://schemas.microsoft.com/office/drawing/2014/main" id="{7EFC6D7A-56B9-47BA-9438-D956D8684539}"/>
-              </a:ext>
-            </a:extLst>
-          </p:cNvPr>
-          <p:cNvCxnSpPr>
-            <a:cxnSpLocks/>
-          </p:cNvCxnSpPr>
-          <p:nvPr/>
-        </p:nvCxnSpPr>
-        <p:spPr>
-          <a:xfrm flipV="1">
-            <a:off x="13906500" y="26527056"/>
-            <a:ext cx="0" cy="775283"/>
-          </a:xfrm>
-          <a:prstGeom prst="straightConnector1">
-            <a:avLst/>
-          </a:prstGeom>
-          <a:ln w="57150">
-            <a:headEnd type="triangle" w="med" len="med"/>
-            <a:tailEnd type="none" w="med" len="med"/>
-          </a:ln>
-        </p:spPr>
-        <p:style>
-          <a:lnRef idx="1">
-            <a:schemeClr val="accent1"/>
-          </a:lnRef>
-          <a:fillRef idx="0">
-            <a:schemeClr val="accent1"/>
-          </a:fillRef>
-          <a:effectRef idx="0">
-            <a:schemeClr val="accent1"/>
-          </a:effectRef>
-          <a:fontRef idx="minor">
-            <a:schemeClr val="tx1"/>
-          </a:fontRef>
-        </p:style>
-      </p:cxnSp>
-      <p:cxnSp>
-        <p:nvCxnSpPr>
-          <p:cNvPr id="51" name="Straight Arrow Connector 50">
-            <a:extLst>
-              <a:ext uri="{FF2B5EF4-FFF2-40B4-BE49-F238E27FC236}">
-                <a16:creationId xmlns:a16="http://schemas.microsoft.com/office/drawing/2014/main" id="{BCBA4B01-37E5-4B03-9F87-4FE6FA878EBE}"/>
-              </a:ext>
-            </a:extLst>
-          </p:cNvPr>
-          <p:cNvCxnSpPr>
-            <a:cxnSpLocks/>
-          </p:cNvCxnSpPr>
-          <p:nvPr/>
-        </p:nvCxnSpPr>
-        <p:spPr>
-          <a:xfrm flipV="1">
-            <a:off x="13906500" y="24446971"/>
-            <a:ext cx="0" cy="1004361"/>
-          </a:xfrm>
-          <a:prstGeom prst="straightConnector1">
-            <a:avLst/>
-          </a:prstGeom>
-          <a:ln w="57150">
-            <a:headEnd type="triangle" w="med" len="med"/>
-            <a:tailEnd type="none" w="med" len="med"/>
-          </a:ln>
-        </p:spPr>
-        <p:style>
-          <a:lnRef idx="1">
-            <a:schemeClr val="accent1"/>
-          </a:lnRef>
-          <a:fillRef idx="0">
-            <a:schemeClr val="accent1"/>
-          </a:fillRef>
-          <a:effectRef idx="0">
-            <a:schemeClr val="accent1"/>
-          </a:effectRef>
-          <a:fontRef idx="minor">
-            <a:schemeClr val="tx1"/>
-          </a:fontRef>
-        </p:style>
-      </p:cxnSp>
-      <p:cxnSp>
-        <p:nvCxnSpPr>
-          <p:cNvPr id="52" name="Straight Arrow Connector 51">
-            <a:extLst>
-              <a:ext uri="{FF2B5EF4-FFF2-40B4-BE49-F238E27FC236}">
-                <a16:creationId xmlns:a16="http://schemas.microsoft.com/office/drawing/2014/main" id="{310659A2-93BD-4FF1-9653-B58141AEBC6E}"/>
-              </a:ext>
-            </a:extLst>
-          </p:cNvPr>
-          <p:cNvCxnSpPr>
-            <a:cxnSpLocks/>
-          </p:cNvCxnSpPr>
-          <p:nvPr/>
-        </p:nvCxnSpPr>
-        <p:spPr>
-          <a:xfrm flipH="1" flipV="1">
-            <a:off x="11585152" y="20308644"/>
-            <a:ext cx="1226832" cy="1367749"/>
-          </a:xfrm>
-          <a:prstGeom prst="straightConnector1">
-            <a:avLst/>
-          </a:prstGeom>
-          <a:ln w="57150">
-            <a:tailEnd type="triangle"/>
-          </a:ln>
-        </p:spPr>
-        <p:style>
-          <a:lnRef idx="1">
-            <a:schemeClr val="accent1"/>
-          </a:lnRef>
-          <a:fillRef idx="0">
-            <a:schemeClr val="accent1"/>
-          </a:fillRef>
-          <a:effectRef idx="0">
-            <a:schemeClr val="accent1"/>
-          </a:effectRef>
-          <a:fontRef idx="minor">
-            <a:schemeClr val="tx1"/>
-          </a:fontRef>
-        </p:style>
-      </p:cxnSp>
-      <p:cxnSp>
-        <p:nvCxnSpPr>
-          <p:cNvPr id="53" name="Straight Arrow Connector 52">
-            <a:extLst>
-              <a:ext uri="{FF2B5EF4-FFF2-40B4-BE49-F238E27FC236}">
-                <a16:creationId xmlns:a16="http://schemas.microsoft.com/office/drawing/2014/main" id="{8C19BC05-684B-4C77-AFD5-FB72181E1A92}"/>
-              </a:ext>
-            </a:extLst>
-          </p:cNvPr>
-          <p:cNvCxnSpPr>
-            <a:cxnSpLocks/>
-          </p:cNvCxnSpPr>
-          <p:nvPr/>
-        </p:nvCxnSpPr>
-        <p:spPr>
-          <a:xfrm flipH="1" flipV="1">
-            <a:off x="11830050" y="20296094"/>
-            <a:ext cx="1114955" cy="1380299"/>
-          </a:xfrm>
-          <a:prstGeom prst="straightConnector1">
-            <a:avLst/>
-          </a:prstGeom>
-          <a:ln w="57150">
-            <a:headEnd type="triangle" w="med" len="med"/>
-            <a:tailEnd type="none" w="med" len="med"/>
-          </a:ln>
-        </p:spPr>
-        <p:style>
-          <a:lnRef idx="1">
-            <a:schemeClr val="accent1"/>
-          </a:lnRef>
-          <a:fillRef idx="0">
-            <a:schemeClr val="accent1"/>
-          </a:fillRef>
-          <a:effectRef idx="0">
-            <a:schemeClr val="accent1"/>
-          </a:effectRef>
-          <a:fontRef idx="minor">
-            <a:schemeClr val="tx1"/>
-          </a:fontRef>
-        </p:style>
-      </p:cxnSp>
-      <p:sp>
-        <p:nvSpPr>
-          <p:cNvPr id="56" name="Rectangle: Rounded Corners 55">
-            <a:extLst>
-              <a:ext uri="{FF2B5EF4-FFF2-40B4-BE49-F238E27FC236}">
-                <a16:creationId xmlns:a16="http://schemas.microsoft.com/office/drawing/2014/main" id="{FA07FB43-9C34-4CBE-9D69-032ABAFA1338}"/>
-              </a:ext>
-            </a:extLst>
-          </p:cNvPr>
-          <p:cNvSpPr/>
-          <p:nvPr/>
-        </p:nvSpPr>
-        <p:spPr>
-          <a:xfrm>
-            <a:off x="8447708" y="16988507"/>
-            <a:ext cx="5298117" cy="3141031"/>
-          </a:xfrm>
-          <a:prstGeom prst="roundRect">
-            <a:avLst/>
-          </a:prstGeom>
-        </p:spPr>
-        <p:style>
-          <a:lnRef idx="0">
-            <a:schemeClr val="accent2"/>
-          </a:lnRef>
-          <a:fillRef idx="3">
-            <a:schemeClr val="accent2"/>
-          </a:fillRef>
-          <a:effectRef idx="3">
-            <a:schemeClr val="accent2"/>
-          </a:effectRef>
-          <a:fontRef idx="minor">
-            <a:schemeClr val="lt1"/>
-          </a:fontRef>
-        </p:style>
-        <p:txBody>
-          <a:bodyPr rtlCol="0" anchor="ctr"/>
-          <a:lstStyle/>
-          <a:p>
-            <a:pPr algn="ctr"/>
-            <a:r>
-              <a:rPr lang="en-US" sz="5400" b="1" dirty="0">
-                <a:ln w="6600">
-                  <a:solidFill>
-                    <a:schemeClr val="accent2"/>
-                  </a:solidFill>
-                  <a:prstDash val="solid"/>
-                </a:ln>
-                <a:solidFill>
-                  <a:srgbClr val="FFFFFF"/>
-                </a:solidFill>
-                <a:effectLst>
-                  <a:outerShdw dist="38100" dir="2700000" algn="tl" rotWithShape="0">
-                    <a:schemeClr val="accent2"/>
-                  </a:outerShdw>
-                </a:effectLst>
-              </a:rPr>
-              <a:t>FSD Manager Service</a:t>
-            </a:r>
-          </a:p>
-        </p:txBody>
-      </p:sp>
-      <p:cxnSp>
-        <p:nvCxnSpPr>
-          <p:cNvPr id="62" name="Straight Arrow Connector 61">
-            <a:extLst>
-              <a:ext uri="{FF2B5EF4-FFF2-40B4-BE49-F238E27FC236}">
-                <a16:creationId xmlns:a16="http://schemas.microsoft.com/office/drawing/2014/main" id="{F15A5B7A-7D46-4283-851D-79B36098240F}"/>
-              </a:ext>
-            </a:extLst>
-          </p:cNvPr>
-          <p:cNvCxnSpPr>
-            <a:cxnSpLocks/>
-          </p:cNvCxnSpPr>
-          <p:nvPr/>
-        </p:nvCxnSpPr>
-        <p:spPr>
-          <a:xfrm flipV="1">
-            <a:off x="15035244" y="20684010"/>
-            <a:ext cx="900890" cy="992383"/>
-          </a:xfrm>
-          <a:prstGeom prst="straightConnector1">
-            <a:avLst/>
-          </a:prstGeom>
-          <a:ln w="57150">
-            <a:headEnd type="triangle" w="med" len="med"/>
-            <a:tailEnd type="none" w="med" len="med"/>
-          </a:ln>
-        </p:spPr>
-        <p:style>
-          <a:lnRef idx="1">
-            <a:schemeClr val="accent1"/>
-          </a:lnRef>
-          <a:fillRef idx="0">
-            <a:schemeClr val="accent1"/>
-          </a:fillRef>
-          <a:effectRef idx="0">
-            <a:schemeClr val="accent1"/>
-          </a:effectRef>
-          <a:fontRef idx="minor">
-            <a:schemeClr val="tx1"/>
-          </a:fontRef>
-        </p:style>
-      </p:cxnSp>
-      <p:cxnSp>
-        <p:nvCxnSpPr>
-          <p:cNvPr id="66" name="Straight Arrow Connector 65">
-            <a:extLst>
-              <a:ext uri="{FF2B5EF4-FFF2-40B4-BE49-F238E27FC236}">
-                <a16:creationId xmlns:a16="http://schemas.microsoft.com/office/drawing/2014/main" id="{96B10039-8032-46B9-9F29-FF9859D54E87}"/>
-              </a:ext>
-            </a:extLst>
-          </p:cNvPr>
-          <p:cNvCxnSpPr>
-            <a:cxnSpLocks/>
-          </p:cNvCxnSpPr>
-          <p:nvPr/>
-        </p:nvCxnSpPr>
-        <p:spPr>
-          <a:xfrm flipV="1">
-            <a:off x="15168265" y="20742660"/>
-            <a:ext cx="999108" cy="1050218"/>
-          </a:xfrm>
-          <a:prstGeom prst="straightConnector1">
-            <a:avLst/>
-          </a:prstGeom>
-          <a:ln w="57150">
-            <a:tailEnd type="triangle"/>
-          </a:ln>
-        </p:spPr>
-        <p:style>
-          <a:lnRef idx="1">
-            <a:schemeClr val="accent1"/>
-          </a:lnRef>
-          <a:fillRef idx="0">
-            <a:schemeClr val="accent1"/>
-          </a:fillRef>
-          <a:effectRef idx="0">
-            <a:schemeClr val="accent1"/>
-          </a:effectRef>
-          <a:fontRef idx="minor">
-            <a:schemeClr val="tx1"/>
-          </a:fontRef>
-        </p:style>
-      </p:cxnSp>
-      <p:sp>
-        <p:nvSpPr>
-          <p:cNvPr id="69" name="Rectangle: Rounded Corners 68">
-            <a:extLst>
-              <a:ext uri="{FF2B5EF4-FFF2-40B4-BE49-F238E27FC236}">
-                <a16:creationId xmlns:a16="http://schemas.microsoft.com/office/drawing/2014/main" id="{307EA8C5-3D42-4FC7-9023-90ACD6BA629C}"/>
-              </a:ext>
-            </a:extLst>
-          </p:cNvPr>
-          <p:cNvSpPr/>
-          <p:nvPr/>
-        </p:nvSpPr>
-        <p:spPr>
-          <a:xfrm>
-            <a:off x="15010006" y="19543722"/>
-            <a:ext cx="2516433" cy="1062456"/>
-          </a:xfrm>
-          <a:prstGeom prst="roundRect">
-            <a:avLst/>
-          </a:prstGeom>
-          <a:solidFill>
-            <a:schemeClr val="bg1"/>
-          </a:solidFill>
-        </p:spPr>
-        <p:style>
-          <a:lnRef idx="2">
-            <a:schemeClr val="accent1">
-              <a:shade val="50000"/>
-            </a:schemeClr>
-          </a:lnRef>
-          <a:fillRef idx="1">
-            <a:schemeClr val="accent1"/>
-          </a:fillRef>
-          <a:effectRef idx="0">
-            <a:schemeClr val="accent1"/>
-          </a:effectRef>
-          <a:fontRef idx="minor">
-            <a:schemeClr val="lt1"/>
-          </a:fontRef>
-        </p:style>
-        <p:txBody>
-          <a:bodyPr rtlCol="0" anchor="ctr"/>
-          <a:lstStyle/>
-          <a:p>
-            <a:pPr algn="ctr"/>
-            <a:r>
-              <a:rPr lang="en-US" b="1" dirty="0">
-                <a:solidFill>
-                  <a:schemeClr val="tx1"/>
-                </a:solidFill>
-              </a:rPr>
-              <a:t>I/O Operations</a:t>
-            </a:r>
-          </a:p>
-        </p:txBody>
-      </p:sp>
-      <p:sp>
-        <p:nvSpPr>
-          <p:cNvPr id="73" name="Thought Bubble: Cloud 72">
-            <a:extLst>
-              <a:ext uri="{FF2B5EF4-FFF2-40B4-BE49-F238E27FC236}">
-                <a16:creationId xmlns:a16="http://schemas.microsoft.com/office/drawing/2014/main" id="{09C2ECD6-B565-440A-849D-A4B464A2BF1B}"/>
-              </a:ext>
-            </a:extLst>
-          </p:cNvPr>
-          <p:cNvSpPr/>
-          <p:nvPr/>
-        </p:nvSpPr>
-        <p:spPr>
-          <a:xfrm>
-            <a:off x="1843742" y="19787033"/>
-            <a:ext cx="3114890" cy="1515957"/>
-          </a:xfrm>
-          <a:prstGeom prst="cloudCallout">
+          <a:prstGeom prst="curvedRightArrow">
             <a:avLst>
-              <a:gd name="adj1" fmla="val 178578"/>
-              <a:gd name="adj2" fmla="val 1615"/>
+              <a:gd name="adj1" fmla="val 10488"/>
+              <a:gd name="adj2" fmla="val 44778"/>
+              <a:gd name="adj3" fmla="val 28636"/>
             </a:avLst>
           </a:prstGeom>
         </p:spPr>
@@ -4688,140 +5344,108 @@
           <a:lstStyle/>
           <a:p>
             <a:pPr algn="ctr"/>
-            <a:endParaRPr lang="en-US"/>
+            <a:endParaRPr lang="en-US">
+              <a:solidFill>
+                <a:schemeClr val="tx1"/>
+              </a:solidFill>
+            </a:endParaRPr>
           </a:p>
         </p:txBody>
       </p:sp>
-      <p:pic>
-        <p:nvPicPr>
-          <p:cNvPr id="1032" name="Picture 8" descr="Image result for azure cloud">
+      <p:cxnSp>
+        <p:nvCxnSpPr>
+          <p:cNvPr id="90" name="Straight Arrow Connector 89">
             <a:extLst>
               <a:ext uri="{FF2B5EF4-FFF2-40B4-BE49-F238E27FC236}">
-                <a16:creationId xmlns:a16="http://schemas.microsoft.com/office/drawing/2014/main" id="{340F6B49-AE08-4C2A-95A5-1830F72259BE}"/>
+                <a16:creationId xmlns:a16="http://schemas.microsoft.com/office/drawing/2014/main" id="{A2C6925E-3BED-4F31-A38C-135DBED59AAD}"/>
               </a:ext>
             </a:extLst>
           </p:cNvPr>
-          <p:cNvPicPr>
-            <a:picLocks noChangeAspect="1" noChangeArrowheads="1"/>
-          </p:cNvPicPr>
+          <p:cNvCxnSpPr>
+            <a:cxnSpLocks/>
+            <a:endCxn id="56" idx="2"/>
+          </p:cNvCxnSpPr>
           <p:nvPr/>
-        </p:nvPicPr>
-        <p:blipFill>
-          <a:blip r:embed="rId8">
-            <a:extLst>
-              <a:ext uri="{28A0092B-C50C-407E-A947-70E740481C1C}">
-                <a14:useLocalDpi xmlns:a14="http://schemas.microsoft.com/office/drawing/2010/main" val="0"/>
-              </a:ext>
-            </a:extLst>
-          </a:blip>
-          <a:srcRect/>
-          <a:stretch>
-            <a:fillRect/>
-          </a:stretch>
-        </p:blipFill>
-        <p:spPr bwMode="auto">
-          <a:xfrm>
-            <a:off x="850022" y="18985411"/>
-            <a:ext cx="5569125" cy="3514497"/>
+        </p:nvCxnSpPr>
+        <p:spPr>
+          <a:xfrm flipH="1" flipV="1">
+            <a:off x="31200384" y="9001399"/>
+            <a:ext cx="2385348" cy="7553674"/>
           </a:xfrm>
-          <a:prstGeom prst="rect">
+          <a:prstGeom prst="straightConnector1">
             <a:avLst/>
           </a:prstGeom>
-          <a:noFill/>
-          <a:extLst>
-            <a:ext uri="{909E8E84-426E-40DD-AFC4-6F175D3DCCD1}">
-              <a14:hiddenFill xmlns:a14="http://schemas.microsoft.com/office/drawing/2010/main">
-                <a:solidFill>
-                  <a:srgbClr val="FFFFFF"/>
-                </a:solidFill>
-              </a14:hiddenFill>
-            </a:ext>
-          </a:extLst>
+          <a:ln w="139700">
+            <a:headEnd type="triangle" w="med" len="med"/>
+            <a:tailEnd type="triangle" w="med" len="med"/>
+          </a:ln>
         </p:spPr>
-      </p:pic>
-      <p:pic>
-        <p:nvPicPr>
-          <p:cNvPr id="1034" name="Picture 10" descr="Image result for files">
+        <p:style>
+          <a:lnRef idx="1">
+            <a:schemeClr val="accent1"/>
+          </a:lnRef>
+          <a:fillRef idx="0">
+            <a:schemeClr val="accent1"/>
+          </a:fillRef>
+          <a:effectRef idx="0">
+            <a:schemeClr val="accent1"/>
+          </a:effectRef>
+          <a:fontRef idx="minor">
+            <a:schemeClr val="tx1"/>
+          </a:fontRef>
+        </p:style>
+      </p:cxnSp>
+      <p:sp>
+        <p:nvSpPr>
+          <p:cNvPr id="98" name="Arrow: Curved Right 97">
             <a:extLst>
               <a:ext uri="{FF2B5EF4-FFF2-40B4-BE49-F238E27FC236}">
-                <a16:creationId xmlns:a16="http://schemas.microsoft.com/office/drawing/2014/main" id="{5575D5C7-8970-45BF-98F2-2095724BBE70}"/>
+                <a16:creationId xmlns:a16="http://schemas.microsoft.com/office/drawing/2014/main" id="{CCD1EE1A-C2A7-428A-904E-074A6E853333}"/>
               </a:ext>
             </a:extLst>
           </p:cNvPr>
-          <p:cNvPicPr>
-            <a:picLocks noChangeAspect="1" noChangeArrowheads="1"/>
-          </p:cNvPicPr>
-          <p:nvPr/>
-        </p:nvPicPr>
-        <p:blipFill>
-          <a:blip r:embed="rId9">
-            <a:extLst>
-              <a:ext uri="{28A0092B-C50C-407E-A947-70E740481C1C}">
-                <a14:useLocalDpi xmlns:a14="http://schemas.microsoft.com/office/drawing/2010/main" val="0"/>
-              </a:ext>
-            </a:extLst>
-          </a:blip>
-          <a:srcRect/>
-          <a:stretch>
-            <a:fillRect/>
-          </a:stretch>
-        </p:blipFill>
-        <p:spPr bwMode="auto">
-          <a:xfrm>
-            <a:off x="14549786" y="17618946"/>
-            <a:ext cx="3802125" cy="1878363"/>
-          </a:xfrm>
-          <a:prstGeom prst="rect">
-            <a:avLst/>
-          </a:prstGeom>
-          <a:noFill/>
-          <a:extLst>
-            <a:ext uri="{909E8E84-426E-40DD-AFC4-6F175D3DCCD1}">
-              <a14:hiddenFill xmlns:a14="http://schemas.microsoft.com/office/drawing/2010/main">
-                <a:solidFill>
-                  <a:srgbClr val="FFFFFF"/>
-                </a:solidFill>
-              </a14:hiddenFill>
-            </a:ext>
-          </a:extLst>
-        </p:spPr>
-      </p:pic>
-      <p:sp>
-        <p:nvSpPr>
-          <p:cNvPr id="80" name="TextBox 79">
-            <a:extLst>
-              <a:ext uri="{FF2B5EF4-FFF2-40B4-BE49-F238E27FC236}">
-                <a16:creationId xmlns:a16="http://schemas.microsoft.com/office/drawing/2014/main" id="{27AA86ED-ABC9-4A81-80E7-8123F5E0F319}"/>
-              </a:ext>
-            </a:extLst>
-          </p:cNvPr>
-          <p:cNvSpPr txBox="1"/>
+          <p:cNvSpPr/>
           <p:nvPr/>
         </p:nvSpPr>
         <p:spPr>
-          <a:xfrm>
-            <a:off x="14918605" y="17195067"/>
-            <a:ext cx="3185622" cy="523220"/>
+          <a:xfrm rot="16200000">
+            <a:off x="24584602" y="7875186"/>
+            <a:ext cx="765583" cy="2003060"/>
           </a:xfrm>
-          <a:prstGeom prst="rect">
-            <a:avLst/>
+          <a:prstGeom prst="curvedRightArrow">
+            <a:avLst>
+              <a:gd name="adj1" fmla="val 10488"/>
+              <a:gd name="adj2" fmla="val 44778"/>
+              <a:gd name="adj3" fmla="val 28636"/>
+            </a:avLst>
           </a:prstGeom>
-          <a:noFill/>
         </p:spPr>
+        <p:style>
+          <a:lnRef idx="2">
+            <a:schemeClr val="accent1">
+              <a:shade val="50000"/>
+            </a:schemeClr>
+          </a:lnRef>
+          <a:fillRef idx="1">
+            <a:schemeClr val="accent1"/>
+          </a:fillRef>
+          <a:effectRef idx="0">
+            <a:schemeClr val="accent1"/>
+          </a:effectRef>
+          <a:fontRef idx="minor">
+            <a:schemeClr val="lt1"/>
+          </a:fontRef>
+        </p:style>
         <p:txBody>
-          <a:bodyPr wrap="square" rtlCol="0">
-            <a:spAutoFit/>
-          </a:bodyPr>
+          <a:bodyPr rtlCol="0" anchor="ctr"/>
           <a:lstStyle/>
           <a:p>
-            <a:r>
-              <a:rPr lang="en-US" sz="2800" dirty="0">
-                <a:solidFill>
-                  <a:srgbClr val="C00000"/>
-                </a:solidFill>
-              </a:rPr>
-              <a:t>User private files</a:t>
-            </a:r>
+            <a:pPr algn="ctr"/>
+            <a:endParaRPr lang="en-US">
+              <a:solidFill>
+                <a:schemeClr val="tx1"/>
+              </a:solidFill>
+            </a:endParaRPr>
           </a:p>
         </p:txBody>
       </p:sp>
